--- a/report/20220923.pptx
+++ b/report/20220923.pptx
@@ -7,13 +7,14 @@
   <p:sldIdLst>
     <p:sldId id="256" r:id="rId2"/>
     <p:sldId id="261" r:id="rId3"/>
-    <p:sldId id="263" r:id="rId4"/>
-    <p:sldId id="264" r:id="rId5"/>
-    <p:sldId id="260" r:id="rId6"/>
-    <p:sldId id="259" r:id="rId7"/>
+    <p:sldId id="265" r:id="rId4"/>
+    <p:sldId id="263" r:id="rId5"/>
+    <p:sldId id="264" r:id="rId6"/>
+    <p:sldId id="260" r:id="rId7"/>
     <p:sldId id="262" r:id="rId8"/>
     <p:sldId id="257" r:id="rId9"/>
     <p:sldId id="258" r:id="rId10"/>
+    <p:sldId id="266" r:id="rId11"/>
   </p:sldIdLst>
   <p:sldSz cx="12192000" cy="6858000"/>
   <p:notesSz cx="6858000" cy="9144000"/>
@@ -112,6 +113,11 @@
       </a:defRPr>
     </a:lvl9pPr>
   </p:defaultTextStyle>
+  <p:extLst>
+    <p:ext uri="{EFAFB233-063F-42B5-8137-9DF3F51BA10A}">
+      <p15:sldGuideLst xmlns:p15="http://schemas.microsoft.com/office/powerpoint/2012/main"/>
+    </p:ext>
+  </p:extLst>
 </p:presentation>
 </file>
 
@@ -262,7 +268,7 @@
           <a:p>
             <a:fld id="{FE020511-33E7-0346-A1CF-175A10FEEAE4}" type="datetimeFigureOut">
               <a:rPr kumimoji="1" lang="ja-JP" altLang="en-US" smtClean="0"/>
-              <a:t>2022/9/21</a:t>
+              <a:t>2022/9/22</a:t>
             </a:fld>
             <a:endParaRPr kumimoji="1" lang="ja-JP" altLang="en-US"/>
           </a:p>
@@ -492,7 +498,7 @@
           <a:p>
             <a:fld id="{FE020511-33E7-0346-A1CF-175A10FEEAE4}" type="datetimeFigureOut">
               <a:rPr kumimoji="1" lang="ja-JP" altLang="en-US" smtClean="0"/>
-              <a:t>2022/9/21</a:t>
+              <a:t>2022/9/22</a:t>
             </a:fld>
             <a:endParaRPr kumimoji="1" lang="ja-JP" altLang="en-US"/>
           </a:p>
@@ -732,7 +738,7 @@
           <a:p>
             <a:fld id="{FE020511-33E7-0346-A1CF-175A10FEEAE4}" type="datetimeFigureOut">
               <a:rPr kumimoji="1" lang="ja-JP" altLang="en-US" smtClean="0"/>
-              <a:t>2022/9/21</a:t>
+              <a:t>2022/9/22</a:t>
             </a:fld>
             <a:endParaRPr kumimoji="1" lang="ja-JP" altLang="en-US"/>
           </a:p>
@@ -962,7 +968,7 @@
           <a:p>
             <a:fld id="{FE020511-33E7-0346-A1CF-175A10FEEAE4}" type="datetimeFigureOut">
               <a:rPr kumimoji="1" lang="ja-JP" altLang="en-US" smtClean="0"/>
-              <a:t>2022/9/21</a:t>
+              <a:t>2022/9/22</a:t>
             </a:fld>
             <a:endParaRPr kumimoji="1" lang="ja-JP" altLang="en-US"/>
           </a:p>
@@ -1237,7 +1243,7 @@
           <a:p>
             <a:fld id="{FE020511-33E7-0346-A1CF-175A10FEEAE4}" type="datetimeFigureOut">
               <a:rPr kumimoji="1" lang="ja-JP" altLang="en-US" smtClean="0"/>
-              <a:t>2022/9/21</a:t>
+              <a:t>2022/9/22</a:t>
             </a:fld>
             <a:endParaRPr kumimoji="1" lang="ja-JP" altLang="en-US"/>
           </a:p>
@@ -1566,7 +1572,7 @@
           <a:p>
             <a:fld id="{FE020511-33E7-0346-A1CF-175A10FEEAE4}" type="datetimeFigureOut">
               <a:rPr kumimoji="1" lang="ja-JP" altLang="en-US" smtClean="0"/>
-              <a:t>2022/9/21</a:t>
+              <a:t>2022/9/22</a:t>
             </a:fld>
             <a:endParaRPr kumimoji="1" lang="ja-JP" altLang="en-US"/>
           </a:p>
@@ -2042,7 +2048,7 @@
           <a:p>
             <a:fld id="{FE020511-33E7-0346-A1CF-175A10FEEAE4}" type="datetimeFigureOut">
               <a:rPr kumimoji="1" lang="ja-JP" altLang="en-US" smtClean="0"/>
-              <a:t>2022/9/21</a:t>
+              <a:t>2022/9/22</a:t>
             </a:fld>
             <a:endParaRPr kumimoji="1" lang="ja-JP" altLang="en-US"/>
           </a:p>
@@ -2183,7 +2189,7 @@
           <a:p>
             <a:fld id="{FE020511-33E7-0346-A1CF-175A10FEEAE4}" type="datetimeFigureOut">
               <a:rPr kumimoji="1" lang="ja-JP" altLang="en-US" smtClean="0"/>
-              <a:t>2022/9/21</a:t>
+              <a:t>2022/9/22</a:t>
             </a:fld>
             <a:endParaRPr kumimoji="1" lang="ja-JP" altLang="en-US"/>
           </a:p>
@@ -2296,7 +2302,7 @@
           <a:p>
             <a:fld id="{FE020511-33E7-0346-A1CF-175A10FEEAE4}" type="datetimeFigureOut">
               <a:rPr kumimoji="1" lang="ja-JP" altLang="en-US" smtClean="0"/>
-              <a:t>2022/9/21</a:t>
+              <a:t>2022/9/22</a:t>
             </a:fld>
             <a:endParaRPr kumimoji="1" lang="ja-JP" altLang="en-US"/>
           </a:p>
@@ -2639,7 +2645,7 @@
           <a:p>
             <a:fld id="{FE020511-33E7-0346-A1CF-175A10FEEAE4}" type="datetimeFigureOut">
               <a:rPr kumimoji="1" lang="ja-JP" altLang="en-US" smtClean="0"/>
-              <a:t>2022/9/21</a:t>
+              <a:t>2022/9/22</a:t>
             </a:fld>
             <a:endParaRPr kumimoji="1" lang="ja-JP" altLang="en-US"/>
           </a:p>
@@ -2927,7 +2933,7 @@
           <a:p>
             <a:fld id="{FE020511-33E7-0346-A1CF-175A10FEEAE4}" type="datetimeFigureOut">
               <a:rPr kumimoji="1" lang="ja-JP" altLang="en-US" smtClean="0"/>
-              <a:t>2022/9/21</a:t>
+              <a:t>2022/9/22</a:t>
             </a:fld>
             <a:endParaRPr kumimoji="1" lang="ja-JP" altLang="en-US"/>
           </a:p>
@@ -3200,7 +3206,7 @@
           <a:p>
             <a:fld id="{FE020511-33E7-0346-A1CF-175A10FEEAE4}" type="datetimeFigureOut">
               <a:rPr kumimoji="1" lang="ja-JP" altLang="en-US" smtClean="0"/>
-              <a:t>2022/9/21</a:t>
+              <a:t>2022/9/22</a:t>
             </a:fld>
             <a:endParaRPr kumimoji="1" lang="ja-JP" altLang="en-US"/>
           </a:p>
@@ -3707,6 +3713,120 @@
 </p:sld>
 </file>
 
+<file path=ppt/slides/slide10.xml><?xml version="1.0" encoding="utf-8"?>
+<p:sld xmlns:a="http://schemas.openxmlformats.org/drawingml/2006/main" xmlns:r="http://schemas.openxmlformats.org/officeDocument/2006/relationships" xmlns:p="http://schemas.openxmlformats.org/presentationml/2006/main">
+  <p:cSld>
+    <p:spTree>
+      <p:nvGrpSpPr>
+        <p:cNvPr id="1" name=""/>
+        <p:cNvGrpSpPr/>
+        <p:nvPr/>
+      </p:nvGrpSpPr>
+      <p:grpSpPr>
+        <a:xfrm>
+          <a:off x="0" y="0"/>
+          <a:ext cx="0" cy="0"/>
+          <a:chOff x="0" y="0"/>
+          <a:chExt cx="0" cy="0"/>
+        </a:xfrm>
+      </p:grpSpPr>
+      <p:sp>
+        <p:nvSpPr>
+          <p:cNvPr id="2" name="タイトル 1">
+            <a:extLst>
+              <a:ext uri="{FF2B5EF4-FFF2-40B4-BE49-F238E27FC236}">
+                <a16:creationId xmlns:a16="http://schemas.microsoft.com/office/drawing/2014/main" id="{A43E1C7C-DB96-3CC1-6A33-47A5681D3502}"/>
+              </a:ext>
+            </a:extLst>
+          </p:cNvPr>
+          <p:cNvSpPr>
+            <a:spLocks noGrp="1"/>
+          </p:cNvSpPr>
+          <p:nvPr>
+            <p:ph type="title"/>
+          </p:nvPr>
+        </p:nvSpPr>
+        <p:spPr/>
+        <p:txBody>
+          <a:bodyPr/>
+          <a:lstStyle/>
+          <a:p>
+            <a:r>
+              <a:rPr kumimoji="1" lang="en-US" altLang="ja-JP" dirty="0"/>
+              <a:t>Fatigue</a:t>
+            </a:r>
+            <a:r>
+              <a:rPr kumimoji="1" lang="ja-JP" altLang="en-US"/>
+              <a:t> </a:t>
+            </a:r>
+            <a:r>
+              <a:rPr lang="en-US" altLang="ja-JP" dirty="0"/>
+              <a:t>R</a:t>
+            </a:r>
+            <a:r>
+              <a:rPr kumimoji="1" lang="en-US" altLang="ja-JP" dirty="0"/>
+              <a:t>eferences</a:t>
+            </a:r>
+            <a:endParaRPr kumimoji="1" lang="ja-JP" altLang="en-US"/>
+          </a:p>
+        </p:txBody>
+      </p:sp>
+      <p:sp>
+        <p:nvSpPr>
+          <p:cNvPr id="3" name="コンテンツ プレースホルダー 2">
+            <a:extLst>
+              <a:ext uri="{FF2B5EF4-FFF2-40B4-BE49-F238E27FC236}">
+                <a16:creationId xmlns:a16="http://schemas.microsoft.com/office/drawing/2014/main" id="{F7533ABB-E346-8192-A09D-130A67A711D1}"/>
+              </a:ext>
+            </a:extLst>
+          </p:cNvPr>
+          <p:cNvSpPr>
+            <a:spLocks noGrp="1"/>
+          </p:cNvSpPr>
+          <p:nvPr>
+            <p:ph idx="1"/>
+          </p:nvPr>
+        </p:nvSpPr>
+        <p:spPr/>
+        <p:txBody>
+          <a:bodyPr/>
+          <a:lstStyle/>
+          <a:p>
+            <a:r>
+              <a:rPr kumimoji="1" lang="en" altLang="ja-JP" dirty="0">
+                <a:hlinkClick r:id="rId2"/>
+              </a:rPr>
+              <a:t>https://www.nature.com/articles/s41598-020-68392-6</a:t>
+            </a:r>
+            <a:endParaRPr kumimoji="1" lang="en" altLang="ja-JP" dirty="0"/>
+          </a:p>
+          <a:p>
+            <a:r>
+              <a:rPr kumimoji="1" lang="en" altLang="ja-JP" dirty="0">
+                <a:hlinkClick r:id="rId3"/>
+              </a:rPr>
+              <a:t>https://journals.humankinetics.com/view/journals/ijatt/10/4/article-p43.xml</a:t>
+            </a:r>
+            <a:endParaRPr kumimoji="1" lang="en" altLang="ja-JP" dirty="0"/>
+          </a:p>
+          <a:p>
+            <a:endParaRPr kumimoji="1" lang="ja-JP" altLang="en-US"/>
+          </a:p>
+        </p:txBody>
+      </p:sp>
+    </p:spTree>
+    <p:extLst>
+      <p:ext uri="{BB962C8B-B14F-4D97-AF65-F5344CB8AC3E}">
+        <p14:creationId xmlns:p14="http://schemas.microsoft.com/office/powerpoint/2010/main" val="1923451258"/>
+      </p:ext>
+    </p:extLst>
+  </p:cSld>
+  <p:clrMapOvr>
+    <a:masterClrMapping/>
+  </p:clrMapOvr>
+</p:sld>
+</file>
+
 <file path=ppt/slides/slide2.xml><?xml version="1.0" encoding="utf-8"?>
 <p:sld xmlns:a="http://schemas.openxmlformats.org/drawingml/2006/main" xmlns:r="http://schemas.openxmlformats.org/officeDocument/2006/relationships" xmlns:p="http://schemas.openxmlformats.org/presentationml/2006/main">
   <p:cSld>
@@ -3724,57 +3844,12 @@
           <a:chExt cx="0" cy="0"/>
         </a:xfrm>
       </p:grpSpPr>
-      <p:sp>
-        <p:nvSpPr>
-          <p:cNvPr id="2" name="タイトル 1">
-            <a:extLst>
-              <a:ext uri="{FF2B5EF4-FFF2-40B4-BE49-F238E27FC236}">
-                <a16:creationId xmlns:a16="http://schemas.microsoft.com/office/drawing/2014/main" id="{B8DE9437-B57D-A977-315D-5308758F482D}"/>
-              </a:ext>
-            </a:extLst>
-          </p:cNvPr>
-          <p:cNvSpPr>
-            <a:spLocks noGrp="1"/>
-          </p:cNvSpPr>
-          <p:nvPr>
-            <p:ph type="title"/>
-          </p:nvPr>
-        </p:nvSpPr>
-        <p:spPr>
-          <a:xfrm>
-            <a:off x="220362" y="105633"/>
-            <a:ext cx="11751276" cy="833481"/>
-          </a:xfrm>
-        </p:spPr>
-        <p:txBody>
-          <a:bodyPr>
-            <a:normAutofit/>
-          </a:bodyPr>
-          <a:lstStyle/>
-          <a:p>
-            <a:r>
-              <a:rPr kumimoji="1" lang="en-US" altLang="ja-JP" dirty="0">
-                <a:latin typeface="Arial" panose="020B0604020202020204" pitchFamily="34" charset="0"/>
-                <a:cs typeface="Arial" panose="020B0604020202020204" pitchFamily="34" charset="0"/>
-              </a:rPr>
-              <a:t>Choking Paper </a:t>
-            </a:r>
-            <a:r>
-              <a:rPr kumimoji="1" lang="ja-JP" altLang="en-US">
-                <a:latin typeface="Arial" panose="020B0604020202020204" pitchFamily="34" charset="0"/>
-                <a:cs typeface="Arial" panose="020B0604020202020204" pitchFamily="34" charset="0"/>
-              </a:rPr>
-              <a:t>の図作成</a:t>
-            </a:r>
-          </a:p>
-        </p:txBody>
-      </p:sp>
       <p:pic>
         <p:nvPicPr>
-          <p:cNvPr id="3" name="図 2" descr="ダイアグラム&#10;&#10;自動的に生成された説明">
-            <a:extLst>
-              <a:ext uri="{FF2B5EF4-FFF2-40B4-BE49-F238E27FC236}">
-                <a16:creationId xmlns:a16="http://schemas.microsoft.com/office/drawing/2014/main" id="{C3918B85-EA59-71D7-F320-1FEBA98A5E90}"/>
+          <p:cNvPr id="5" name="図 4" descr="グラフ, 折れ線グラフ&#10;&#10;自動的に生成された説明">
+            <a:extLst>
+              <a:ext uri="{FF2B5EF4-FFF2-40B4-BE49-F238E27FC236}">
+                <a16:creationId xmlns:a16="http://schemas.microsoft.com/office/drawing/2014/main" id="{23C4054E-F7CF-1129-4F4B-FF1099C02EBA}"/>
               </a:ext>
             </a:extLst>
           </p:cNvPr>
@@ -3791,8 +3866,192 @@
         </p:blipFill>
         <p:spPr>
           <a:xfrm>
-            <a:off x="137114" y="2448462"/>
-            <a:ext cx="6284707" cy="2590471"/>
+            <a:off x="7778740" y="0"/>
+            <a:ext cx="4413260" cy="3308684"/>
+          </a:xfrm>
+          <a:prstGeom prst="rect">
+            <a:avLst/>
+          </a:prstGeom>
+        </p:spPr>
+      </p:pic>
+      <p:pic>
+        <p:nvPicPr>
+          <p:cNvPr id="7" name="図 6" descr="グラフ, 折れ線グラフ&#10;&#10;自動的に生成された説明">
+            <a:extLst>
+              <a:ext uri="{FF2B5EF4-FFF2-40B4-BE49-F238E27FC236}">
+                <a16:creationId xmlns:a16="http://schemas.microsoft.com/office/drawing/2014/main" id="{7F9DE804-F212-7FA3-44D4-796E519BA5DC}"/>
+              </a:ext>
+            </a:extLst>
+          </p:cNvPr>
+          <p:cNvPicPr>
+            <a:picLocks noChangeAspect="1"/>
+          </p:cNvPicPr>
+          <p:nvPr/>
+        </p:nvPicPr>
+        <p:blipFill>
+          <a:blip r:embed="rId3"/>
+          <a:stretch>
+            <a:fillRect/>
+          </a:stretch>
+        </p:blipFill>
+        <p:spPr>
+          <a:xfrm>
+            <a:off x="7778740" y="3549317"/>
+            <a:ext cx="4413260" cy="3308684"/>
+          </a:xfrm>
+          <a:prstGeom prst="rect">
+            <a:avLst/>
+          </a:prstGeom>
+        </p:spPr>
+      </p:pic>
+      <p:pic>
+        <p:nvPicPr>
+          <p:cNvPr id="9" name="図 8" descr="グラフ, 折れ線グラフ&#10;&#10;自動的に生成された説明">
+            <a:extLst>
+              <a:ext uri="{FF2B5EF4-FFF2-40B4-BE49-F238E27FC236}">
+                <a16:creationId xmlns:a16="http://schemas.microsoft.com/office/drawing/2014/main" id="{0AD011A9-8868-1FE1-9EB1-AA62CA042806}"/>
+              </a:ext>
+            </a:extLst>
+          </p:cNvPr>
+          <p:cNvPicPr>
+            <a:picLocks noChangeAspect="1"/>
+          </p:cNvPicPr>
+          <p:nvPr/>
+        </p:nvPicPr>
+        <p:blipFill>
+          <a:blip r:embed="rId4"/>
+          <a:stretch>
+            <a:fillRect/>
+          </a:stretch>
+        </p:blipFill>
+        <p:spPr>
+          <a:xfrm>
+            <a:off x="3409595" y="-1"/>
+            <a:ext cx="4411578" cy="3308684"/>
+          </a:xfrm>
+          <a:prstGeom prst="rect">
+            <a:avLst/>
+          </a:prstGeom>
+        </p:spPr>
+      </p:pic>
+      <p:sp>
+        <p:nvSpPr>
+          <p:cNvPr id="14" name="角丸四角形 13">
+            <a:extLst>
+              <a:ext uri="{FF2B5EF4-FFF2-40B4-BE49-F238E27FC236}">
+                <a16:creationId xmlns:a16="http://schemas.microsoft.com/office/drawing/2014/main" id="{D878185D-EC63-EBF3-3D97-5AB7D46FDAB2}"/>
+              </a:ext>
+            </a:extLst>
+          </p:cNvPr>
+          <p:cNvSpPr/>
+          <p:nvPr/>
+        </p:nvSpPr>
+        <p:spPr>
+          <a:xfrm>
+            <a:off x="7821174" y="1"/>
+            <a:ext cx="468583" cy="2995862"/>
+          </a:xfrm>
+          <a:prstGeom prst="roundRect">
+            <a:avLst/>
+          </a:prstGeom>
+          <a:ln>
+            <a:noFill/>
+          </a:ln>
+        </p:spPr>
+        <p:style>
+          <a:lnRef idx="2">
+            <a:schemeClr val="accent6"/>
+          </a:lnRef>
+          <a:fillRef idx="1">
+            <a:schemeClr val="lt1"/>
+          </a:fillRef>
+          <a:effectRef idx="0">
+            <a:schemeClr val="accent6"/>
+          </a:effectRef>
+          <a:fontRef idx="minor">
+            <a:schemeClr val="dk1"/>
+          </a:fontRef>
+        </p:style>
+        <p:txBody>
+          <a:bodyPr rtlCol="0" anchor="ctr"/>
+          <a:lstStyle/>
+          <a:p>
+            <a:pPr algn="ctr"/>
+            <a:endParaRPr kumimoji="1" lang="ja-JP" altLang="en-US"/>
+          </a:p>
+        </p:txBody>
+      </p:sp>
+      <p:sp>
+        <p:nvSpPr>
+          <p:cNvPr id="15" name="角丸四角形 14">
+            <a:extLst>
+              <a:ext uri="{FF2B5EF4-FFF2-40B4-BE49-F238E27FC236}">
+                <a16:creationId xmlns:a16="http://schemas.microsoft.com/office/drawing/2014/main" id="{E3F8D2DE-C94D-FD95-43E2-69A809638F42}"/>
+              </a:ext>
+            </a:extLst>
+          </p:cNvPr>
+          <p:cNvSpPr/>
+          <p:nvPr/>
+        </p:nvSpPr>
+        <p:spPr>
+          <a:xfrm>
+            <a:off x="7821173" y="3537288"/>
+            <a:ext cx="468583" cy="2995862"/>
+          </a:xfrm>
+          <a:prstGeom prst="roundRect">
+            <a:avLst/>
+          </a:prstGeom>
+          <a:ln>
+            <a:noFill/>
+          </a:ln>
+        </p:spPr>
+        <p:style>
+          <a:lnRef idx="2">
+            <a:schemeClr val="accent6"/>
+          </a:lnRef>
+          <a:fillRef idx="1">
+            <a:schemeClr val="lt1"/>
+          </a:fillRef>
+          <a:effectRef idx="0">
+            <a:schemeClr val="accent6"/>
+          </a:effectRef>
+          <a:fontRef idx="minor">
+            <a:schemeClr val="dk1"/>
+          </a:fontRef>
+        </p:style>
+        <p:txBody>
+          <a:bodyPr rtlCol="0" anchor="ctr"/>
+          <a:lstStyle/>
+          <a:p>
+            <a:pPr algn="ctr"/>
+            <a:endParaRPr kumimoji="1" lang="ja-JP" altLang="en-US"/>
+          </a:p>
+        </p:txBody>
+      </p:sp>
+      <p:pic>
+        <p:nvPicPr>
+          <p:cNvPr id="17" name="図 16" descr="グラフ, 折れ線グラフ&#10;&#10;自動的に生成された説明">
+            <a:extLst>
+              <a:ext uri="{FF2B5EF4-FFF2-40B4-BE49-F238E27FC236}">
+                <a16:creationId xmlns:a16="http://schemas.microsoft.com/office/drawing/2014/main" id="{57AB700B-417E-3822-8EFB-78CE2A0C5916}"/>
+              </a:ext>
+            </a:extLst>
+          </p:cNvPr>
+          <p:cNvPicPr>
+            <a:picLocks noChangeAspect="1"/>
+          </p:cNvPicPr>
+          <p:nvPr/>
+        </p:nvPicPr>
+        <p:blipFill>
+          <a:blip r:embed="rId5"/>
+          <a:stretch>
+            <a:fillRect/>
+          </a:stretch>
+        </p:blipFill>
+        <p:spPr>
+          <a:xfrm>
+            <a:off x="3407912" y="3548053"/>
+            <a:ext cx="4413261" cy="3309946"/>
           </a:xfrm>
           <a:prstGeom prst="rect">
             <a:avLst/>
@@ -3853,50 +4112,16 @@
         </p:spPr>
         <p:txBody>
           <a:bodyPr>
-            <a:normAutofit fontScale="90000"/>
+            <a:normAutofit/>
           </a:bodyPr>
           <a:lstStyle/>
           <a:p>
             <a:r>
-              <a:rPr kumimoji="1" lang="en-US" altLang="ja-JP" dirty="0">
+              <a:rPr lang="en-US" altLang="ja-JP" dirty="0">
                 <a:latin typeface="Arial" panose="020B0604020202020204" pitchFamily="34" charset="0"/>
                 <a:cs typeface="Arial" panose="020B0604020202020204" pitchFamily="34" charset="0"/>
               </a:rPr>
-              <a:t>Choking Paper </a:t>
-            </a:r>
-            <a:r>
-              <a:rPr kumimoji="1" lang="ja-JP" altLang="en-US">
-                <a:latin typeface="Arial" panose="020B0604020202020204" pitchFamily="34" charset="0"/>
-                <a:cs typeface="Arial" panose="020B0604020202020204" pitchFamily="34" charset="0"/>
-              </a:rPr>
-              <a:t>の図作成</a:t>
-            </a:r>
-            <a:r>
-              <a:rPr kumimoji="1" lang="en-US" altLang="ja-JP" dirty="0">
-                <a:latin typeface="Arial" panose="020B0604020202020204" pitchFamily="34" charset="0"/>
-                <a:cs typeface="Arial" panose="020B0604020202020204" pitchFamily="34" charset="0"/>
-              </a:rPr>
-              <a:t> </a:t>
-            </a:r>
-            <a:br>
-              <a:rPr kumimoji="1" lang="en-US" altLang="ja-JP" dirty="0">
-                <a:latin typeface="Arial" panose="020B0604020202020204" pitchFamily="34" charset="0"/>
-                <a:cs typeface="Arial" panose="020B0604020202020204" pitchFamily="34" charset="0"/>
-              </a:rPr>
-            </a:br>
-            <a:r>
-              <a:rPr kumimoji="1" lang="en-US" altLang="ja-JP" dirty="0" err="1">
-                <a:latin typeface="Arial" panose="020B0604020202020204" pitchFamily="34" charset="0"/>
-                <a:cs typeface="Arial" panose="020B0604020202020204" pitchFamily="34" charset="0"/>
-              </a:rPr>
-              <a:t>emg</a:t>
-            </a:r>
-            <a:r>
-              <a:rPr kumimoji="1" lang="en-US" altLang="ja-JP" dirty="0">
-                <a:latin typeface="Arial" panose="020B0604020202020204" pitchFamily="34" charset="0"/>
-                <a:cs typeface="Arial" panose="020B0604020202020204" pitchFamily="34" charset="0"/>
-              </a:rPr>
-              <a:t> distribution in every muscle</a:t>
+              <a:t>Modification of Tuning curve stuff</a:t>
             </a:r>
             <a:endParaRPr kumimoji="1" lang="ja-JP" altLang="en-US">
               <a:latin typeface="Arial" panose="020B0604020202020204" pitchFamily="34" charset="0"/>
@@ -3907,10 +4132,10 @@
       </p:sp>
       <p:pic>
         <p:nvPicPr>
-          <p:cNvPr id="5" name="図 4" descr="グラフ, ヒストグラム&#10;&#10;自動的に生成された説明">
-            <a:extLst>
-              <a:ext uri="{FF2B5EF4-FFF2-40B4-BE49-F238E27FC236}">
-                <a16:creationId xmlns:a16="http://schemas.microsoft.com/office/drawing/2014/main" id="{322B7AB6-CB02-8CE6-03CA-15E70010707C}"/>
+          <p:cNvPr id="5" name="図 4" descr="グラフ, 折れ線グラフ&#10;&#10;自動的に生成された説明">
+            <a:extLst>
+              <a:ext uri="{FF2B5EF4-FFF2-40B4-BE49-F238E27FC236}">
+                <a16:creationId xmlns:a16="http://schemas.microsoft.com/office/drawing/2014/main" id="{D61C4340-13F8-9059-1252-742961946C05}"/>
               </a:ext>
             </a:extLst>
           </p:cNvPr>
@@ -3927,8 +4152,116 @@
         </p:blipFill>
         <p:spPr>
           <a:xfrm>
-            <a:off x="2744251" y="1570767"/>
-            <a:ext cx="6273800" cy="5181600"/>
+            <a:off x="220362" y="939114"/>
+            <a:ext cx="6096000" cy="4572000"/>
+          </a:xfrm>
+          <a:prstGeom prst="rect">
+            <a:avLst/>
+          </a:prstGeom>
+        </p:spPr>
+      </p:pic>
+      <p:sp>
+        <p:nvSpPr>
+          <p:cNvPr id="8" name="テキスト ボックス 7">
+            <a:extLst>
+              <a:ext uri="{FF2B5EF4-FFF2-40B4-BE49-F238E27FC236}">
+                <a16:creationId xmlns:a16="http://schemas.microsoft.com/office/drawing/2014/main" id="{DD276E81-C320-20B4-1E74-15B5893DE557}"/>
+              </a:ext>
+            </a:extLst>
+          </p:cNvPr>
+          <p:cNvSpPr txBox="1"/>
+          <p:nvPr/>
+        </p:nvSpPr>
+        <p:spPr>
+          <a:xfrm>
+            <a:off x="646386" y="5918886"/>
+            <a:ext cx="11146221" cy="830997"/>
+          </a:xfrm>
+          <a:prstGeom prst="rect">
+            <a:avLst/>
+          </a:prstGeom>
+          <a:noFill/>
+        </p:spPr>
+        <p:txBody>
+          <a:bodyPr wrap="square" rtlCol="0">
+            <a:spAutoFit/>
+          </a:bodyPr>
+          <a:lstStyle/>
+          <a:p>
+            <a:pPr algn="ctr"/>
+            <a:r>
+              <a:rPr lang="en-US" altLang="ja-JP" sz="2400" dirty="0">
+                <a:latin typeface="Arial" panose="020B0604020202020204" pitchFamily="34" charset="0"/>
+                <a:cs typeface="Arial" panose="020B0604020202020204" pitchFamily="34" charset="0"/>
+              </a:rPr>
+              <a:t>I calculated standard deviation from average EMG of </a:t>
+            </a:r>
+            <a:r>
+              <a:rPr lang="en-US" altLang="ja-JP" sz="2400" b="1" dirty="0">
+                <a:latin typeface="Arial" panose="020B0604020202020204" pitchFamily="34" charset="0"/>
+                <a:cs typeface="Arial" panose="020B0604020202020204" pitchFamily="34" charset="0"/>
+              </a:rPr>
+              <a:t>each datapoint</a:t>
+            </a:r>
+            <a:r>
+              <a:rPr lang="en-US" altLang="ja-JP" sz="2400" dirty="0">
+                <a:latin typeface="Arial" panose="020B0604020202020204" pitchFamily="34" charset="0"/>
+                <a:cs typeface="Arial" panose="020B0604020202020204" pitchFamily="34" charset="0"/>
+              </a:rPr>
+              <a:t>(-150~+50) around </a:t>
+            </a:r>
+            <a:r>
+              <a:rPr lang="en-US" altLang="ja-JP" sz="2400" dirty="0" err="1">
+                <a:latin typeface="Arial" panose="020B0604020202020204" pitchFamily="34" charset="0"/>
+                <a:cs typeface="Arial" panose="020B0604020202020204" pitchFamily="34" charset="0"/>
+              </a:rPr>
+              <a:t>GoCue</a:t>
+            </a:r>
+            <a:r>
+              <a:rPr lang="en-US" altLang="ja-JP" sz="2400" dirty="0">
+                <a:latin typeface="Arial" panose="020B0604020202020204" pitchFamily="34" charset="0"/>
+                <a:cs typeface="Arial" panose="020B0604020202020204" pitchFamily="34" charset="0"/>
+              </a:rPr>
+              <a:t> </a:t>
+            </a:r>
+            <a:r>
+              <a:rPr lang="en-US" altLang="ja-JP" sz="2400" b="1" dirty="0">
+                <a:latin typeface="Arial" panose="020B0604020202020204" pitchFamily="34" charset="0"/>
+                <a:cs typeface="Arial" panose="020B0604020202020204" pitchFamily="34" charset="0"/>
+              </a:rPr>
+              <a:t>Not each trial …!!</a:t>
+            </a:r>
+            <a:endParaRPr kumimoji="1" lang="ja-JP" altLang="en-US" sz="2400" b="1">
+              <a:latin typeface="Arial" panose="020B0604020202020204" pitchFamily="34" charset="0"/>
+              <a:cs typeface="Arial" panose="020B0604020202020204" pitchFamily="34" charset="0"/>
+            </a:endParaRPr>
+          </a:p>
+        </p:txBody>
+      </p:sp>
+      <p:pic>
+        <p:nvPicPr>
+          <p:cNvPr id="10" name="図 9" descr="グラフ&#10;&#10;自動的に生成された説明">
+            <a:extLst>
+              <a:ext uri="{FF2B5EF4-FFF2-40B4-BE49-F238E27FC236}">
+                <a16:creationId xmlns:a16="http://schemas.microsoft.com/office/drawing/2014/main" id="{AE35456E-C6AD-C059-B6BB-F7E87CC28B8D}"/>
+              </a:ext>
+            </a:extLst>
+          </p:cNvPr>
+          <p:cNvPicPr>
+            <a:picLocks noChangeAspect="1"/>
+          </p:cNvPicPr>
+          <p:nvPr/>
+        </p:nvPicPr>
+        <p:blipFill>
+          <a:blip r:embed="rId3"/>
+          <a:stretch>
+            <a:fillRect/>
+          </a:stretch>
+        </p:blipFill>
+        <p:spPr>
+          <a:xfrm>
+            <a:off x="5875638" y="939114"/>
+            <a:ext cx="6096000" cy="4572000"/>
           </a:xfrm>
           <a:prstGeom prst="rect">
             <a:avLst/>
@@ -3938,7 +4271,7 @@
     </p:spTree>
     <p:extLst>
       <p:ext uri="{BB962C8B-B14F-4D97-AF65-F5344CB8AC3E}">
-        <p14:creationId xmlns:p14="http://schemas.microsoft.com/office/powerpoint/2010/main" val="401814183"/>
+        <p14:creationId xmlns:p14="http://schemas.microsoft.com/office/powerpoint/2010/main" val="3056414648"/>
       </p:ext>
     </p:extLst>
   </p:cSld>
@@ -3994,32 +4327,11 @@
           <a:lstStyle/>
           <a:p>
             <a:r>
-              <a:rPr kumimoji="1" lang="en-US" altLang="ja-JP" dirty="0">
-                <a:latin typeface="Arial" panose="020B0604020202020204" pitchFamily="34" charset="0"/>
-                <a:cs typeface="Arial" panose="020B0604020202020204" pitchFamily="34" charset="0"/>
-              </a:rPr>
-              <a:t>Choking Paper </a:t>
-            </a:r>
-            <a:r>
-              <a:rPr kumimoji="1" lang="ja-JP" altLang="en-US">
-                <a:latin typeface="Arial" panose="020B0604020202020204" pitchFamily="34" charset="0"/>
-                <a:cs typeface="Arial" panose="020B0604020202020204" pitchFamily="34" charset="0"/>
-              </a:rPr>
-              <a:t>の図</a:t>
-            </a:r>
-            <a:r>
-              <a:rPr kumimoji="1" lang="en-US" altLang="ja-JP" dirty="0">
-                <a:latin typeface="Arial" panose="020B0604020202020204" pitchFamily="34" charset="0"/>
-                <a:cs typeface="Arial" panose="020B0604020202020204" pitchFamily="34" charset="0"/>
-              </a:rPr>
-              <a:t>: Reward Axis </a:t>
-            </a:r>
-            <a:r>
               <a:rPr lang="en-US" altLang="ja-JP" dirty="0">
                 <a:latin typeface="Arial" panose="020B0604020202020204" pitchFamily="34" charset="0"/>
                 <a:cs typeface="Arial" panose="020B0604020202020204" pitchFamily="34" charset="0"/>
               </a:rPr>
-              <a:t>and EMG</a:t>
+              <a:t>Probability Distributions are same</a:t>
             </a:r>
             <a:endParaRPr kumimoji="1" lang="ja-JP" altLang="en-US">
               <a:latin typeface="Arial" panose="020B0604020202020204" pitchFamily="34" charset="0"/>
@@ -4028,10 +4340,40 @@
           </a:p>
         </p:txBody>
       </p:sp>
+      <p:pic>
+        <p:nvPicPr>
+          <p:cNvPr id="4" name="図 3" descr="グラフ, 折れ線グラフ&#10;&#10;自動的に生成された説明">
+            <a:extLst>
+              <a:ext uri="{FF2B5EF4-FFF2-40B4-BE49-F238E27FC236}">
+                <a16:creationId xmlns:a16="http://schemas.microsoft.com/office/drawing/2014/main" id="{66E7F6C3-7E48-BD06-DCC7-87E7A1D1BA8C}"/>
+              </a:ext>
+            </a:extLst>
+          </p:cNvPr>
+          <p:cNvPicPr>
+            <a:picLocks noChangeAspect="1"/>
+          </p:cNvPicPr>
+          <p:nvPr/>
+        </p:nvPicPr>
+        <p:blipFill>
+          <a:blip r:embed="rId2"/>
+          <a:stretch>
+            <a:fillRect/>
+          </a:stretch>
+        </p:blipFill>
+        <p:spPr>
+          <a:xfrm>
+            <a:off x="2540000" y="1181100"/>
+            <a:ext cx="7112000" cy="5334000"/>
+          </a:xfrm>
+          <a:prstGeom prst="rect">
+            <a:avLst/>
+          </a:prstGeom>
+        </p:spPr>
+      </p:pic>
     </p:spTree>
     <p:extLst>
       <p:ext uri="{BB962C8B-B14F-4D97-AF65-F5344CB8AC3E}">
-        <p14:creationId xmlns:p14="http://schemas.microsoft.com/office/powerpoint/2010/main" val="1222102961"/>
+        <p14:creationId xmlns:p14="http://schemas.microsoft.com/office/powerpoint/2010/main" val="401814183"/>
       </p:ext>
     </p:extLst>
   </p:cSld>
@@ -4087,63 +4429,51 @@
           <a:lstStyle/>
           <a:p>
             <a:r>
-              <a:rPr kumimoji="1" lang="ja-JP" altLang="en-US">
+              <a:rPr lang="en-US" altLang="ja-JP" b="1" dirty="0">
                 <a:latin typeface="Arial" panose="020B0604020202020204" pitchFamily="34" charset="0"/>
                 <a:cs typeface="Arial" panose="020B0604020202020204" pitchFamily="34" charset="0"/>
               </a:rPr>
-              <a:t>疲労は</a:t>
-            </a:r>
-            <a:r>
-              <a:rPr kumimoji="1" lang="en-US" altLang="ja-JP" dirty="0">
+              <a:t>No correlation </a:t>
+            </a:r>
+            <a:r>
+              <a:rPr kumimoji="1" lang="en-US" altLang="ja-JP" b="1" dirty="0">
                 <a:latin typeface="Arial" panose="020B0604020202020204" pitchFamily="34" charset="0"/>
                 <a:cs typeface="Arial" panose="020B0604020202020204" pitchFamily="34" charset="0"/>
               </a:rPr>
-              <a:t>EMG</a:t>
-            </a:r>
-            <a:r>
-              <a:rPr kumimoji="1" lang="ja-JP" altLang="en-US">
+              <a:t>between </a:t>
+            </a:r>
+            <a:r>
+              <a:rPr lang="en-US" altLang="ja-JP" b="1" dirty="0" err="1">
                 <a:latin typeface="Arial" panose="020B0604020202020204" pitchFamily="34" charset="0"/>
                 <a:cs typeface="Arial" panose="020B0604020202020204" pitchFamily="34" charset="0"/>
               </a:rPr>
-              <a:t>にどう現れるのか？</a:t>
-            </a:r>
-          </a:p>
-        </p:txBody>
-      </p:sp>
-      <p:pic>
-        <p:nvPicPr>
-          <p:cNvPr id="5" name="図 4" descr="テキスト, 手紙&#10;&#10;自動的に生成された説明">
-            <a:extLst>
-              <a:ext uri="{FF2B5EF4-FFF2-40B4-BE49-F238E27FC236}">
-                <a16:creationId xmlns:a16="http://schemas.microsoft.com/office/drawing/2014/main" id="{BB4C24C1-4A2F-419B-7A14-E1661AC85D53}"/>
-              </a:ext>
-            </a:extLst>
-          </p:cNvPr>
-          <p:cNvPicPr>
-            <a:picLocks noChangeAspect="1"/>
-          </p:cNvPicPr>
-          <p:nvPr/>
-        </p:nvPicPr>
-        <p:blipFill>
-          <a:blip r:embed="rId2"/>
-          <a:stretch>
-            <a:fillRect/>
-          </a:stretch>
-        </p:blipFill>
-        <p:spPr>
-          <a:xfrm>
-            <a:off x="301861" y="2036093"/>
-            <a:ext cx="11588278" cy="3610945"/>
-          </a:xfrm>
-          <a:prstGeom prst="rect">
-            <a:avLst/>
-          </a:prstGeom>
-        </p:spPr>
-      </p:pic>
+              <a:t>RA</a:t>
+            </a:r>
+            <a:r>
+              <a:rPr kumimoji="1" lang="en-US" altLang="ja-JP" b="1" dirty="0" err="1">
+                <a:latin typeface="Arial" panose="020B0604020202020204" pitchFamily="34" charset="0"/>
+                <a:cs typeface="Arial" panose="020B0604020202020204" pitchFamily="34" charset="0"/>
+              </a:rPr>
+              <a:t>xis</a:t>
+            </a:r>
+            <a:r>
+              <a:rPr kumimoji="1" lang="en-US" altLang="ja-JP" b="1" dirty="0">
+                <a:latin typeface="Arial" panose="020B0604020202020204" pitchFamily="34" charset="0"/>
+                <a:cs typeface="Arial" panose="020B0604020202020204" pitchFamily="34" charset="0"/>
+              </a:rPr>
+              <a:t> and EMG</a:t>
+            </a:r>
+            <a:endParaRPr kumimoji="1" lang="ja-JP" altLang="en-US" b="1">
+              <a:latin typeface="Arial" panose="020B0604020202020204" pitchFamily="34" charset="0"/>
+              <a:cs typeface="Arial" panose="020B0604020202020204" pitchFamily="34" charset="0"/>
+            </a:endParaRPr>
+          </a:p>
+        </p:txBody>
+      </p:sp>
     </p:spTree>
     <p:extLst>
       <p:ext uri="{BB962C8B-B14F-4D97-AF65-F5344CB8AC3E}">
-        <p14:creationId xmlns:p14="http://schemas.microsoft.com/office/powerpoint/2010/main" val="2351484454"/>
+        <p14:creationId xmlns:p14="http://schemas.microsoft.com/office/powerpoint/2010/main" val="1222102961"/>
       </p:ext>
     </p:extLst>
   </p:cSld>
@@ -4188,7 +4518,7 @@
         </p:nvSpPr>
         <p:spPr>
           <a:xfrm>
-            <a:off x="220362" y="105633"/>
+            <a:off x="220362" y="32481"/>
             <a:ext cx="11751276" cy="833481"/>
           </a:xfrm>
         </p:spPr>
@@ -4198,33 +4528,460 @@
           </a:bodyPr>
           <a:lstStyle/>
           <a:p>
-            <a:r>
-              <a:rPr lang="en-US" altLang="ja-JP" dirty="0">
+            <a:pPr algn="ctr"/>
+            <a:r>
+              <a:rPr kumimoji="1" lang="en-US" altLang="ja-JP" b="1" dirty="0">
                 <a:latin typeface="Arial" panose="020B0604020202020204" pitchFamily="34" charset="0"/>
                 <a:cs typeface="Arial" panose="020B0604020202020204" pitchFamily="34" charset="0"/>
               </a:rPr>
-              <a:t>Fatigue</a:t>
-            </a:r>
-            <a:r>
-              <a:rPr lang="ja-JP" altLang="en-US">
+              <a:t>How fatigue affect to EMG</a:t>
+            </a:r>
+            <a:endParaRPr kumimoji="1" lang="ja-JP" altLang="en-US" b="1">
+              <a:latin typeface="Arial" panose="020B0604020202020204" pitchFamily="34" charset="0"/>
+              <a:cs typeface="Arial" panose="020B0604020202020204" pitchFamily="34" charset="0"/>
+            </a:endParaRPr>
+          </a:p>
+        </p:txBody>
+      </p:sp>
+      <p:sp>
+        <p:nvSpPr>
+          <p:cNvPr id="3" name="正方形/長方形 2">
+            <a:extLst>
+              <a:ext uri="{FF2B5EF4-FFF2-40B4-BE49-F238E27FC236}">
+                <a16:creationId xmlns:a16="http://schemas.microsoft.com/office/drawing/2014/main" id="{0352D17A-518A-2F8C-936D-2500D1382D9E}"/>
+              </a:ext>
+            </a:extLst>
+          </p:cNvPr>
+          <p:cNvSpPr/>
+          <p:nvPr/>
+        </p:nvSpPr>
+        <p:spPr>
+          <a:xfrm>
+            <a:off x="317898" y="890016"/>
+            <a:ext cx="5559552" cy="707136"/>
+          </a:xfrm>
+          <a:prstGeom prst="rect">
+            <a:avLst/>
+          </a:prstGeom>
+          <a:ln w="19050">
+            <a:solidFill>
+              <a:schemeClr val="tx1"/>
+            </a:solidFill>
+          </a:ln>
+        </p:spPr>
+        <p:style>
+          <a:lnRef idx="2">
+            <a:schemeClr val="accent6"/>
+          </a:lnRef>
+          <a:fillRef idx="1">
+            <a:schemeClr val="lt1"/>
+          </a:fillRef>
+          <a:effectRef idx="0">
+            <a:schemeClr val="accent6"/>
+          </a:effectRef>
+          <a:fontRef idx="minor">
+            <a:schemeClr val="dk1"/>
+          </a:fontRef>
+        </p:style>
+        <p:txBody>
+          <a:bodyPr rtlCol="0" anchor="ctr"/>
+          <a:lstStyle/>
+          <a:p>
+            <a:pPr algn="ctr"/>
+            <a:r>
+              <a:rPr lang="en" altLang="ja-JP" sz="2000" dirty="0">
                 <a:latin typeface="Arial" panose="020B0604020202020204" pitchFamily="34" charset="0"/>
                 <a:cs typeface="Arial" panose="020B0604020202020204" pitchFamily="34" charset="0"/>
               </a:rPr>
-              <a:t>は体の中で何が変化しているのか？</a:t>
-            </a:r>
-            <a:endParaRPr kumimoji="1" lang="ja-JP" altLang="en-US">
+              <a:t>m</a:t>
+            </a:r>
+            <a:r>
+              <a:rPr lang="en" altLang="ja-JP" sz="2000" dirty="0">
+                <a:effectLst/>
+                <a:latin typeface="Arial" panose="020B0604020202020204" pitchFamily="34" charset="0"/>
+                <a:cs typeface="Arial" panose="020B0604020202020204" pitchFamily="34" charset="0"/>
+              </a:rPr>
+              <a:t>uscle fibers produce less force</a:t>
+            </a:r>
+          </a:p>
+        </p:txBody>
+      </p:sp>
+      <p:sp>
+        <p:nvSpPr>
+          <p:cNvPr id="4" name="正方形/長方形 3">
+            <a:extLst>
+              <a:ext uri="{FF2B5EF4-FFF2-40B4-BE49-F238E27FC236}">
+                <a16:creationId xmlns:a16="http://schemas.microsoft.com/office/drawing/2014/main" id="{020708AA-D732-D8AC-2E5B-892D43F51525}"/>
+              </a:ext>
+            </a:extLst>
+          </p:cNvPr>
+          <p:cNvSpPr/>
+          <p:nvPr/>
+        </p:nvSpPr>
+        <p:spPr>
+          <a:xfrm>
+            <a:off x="6314550" y="890016"/>
+            <a:ext cx="5559552" cy="707136"/>
+          </a:xfrm>
+          <a:prstGeom prst="rect">
+            <a:avLst/>
+          </a:prstGeom>
+          <a:ln w="19050">
+            <a:solidFill>
+              <a:schemeClr val="tx1"/>
+            </a:solidFill>
+          </a:ln>
+        </p:spPr>
+        <p:style>
+          <a:lnRef idx="2">
+            <a:schemeClr val="accent6"/>
+          </a:lnRef>
+          <a:fillRef idx="1">
+            <a:schemeClr val="lt1"/>
+          </a:fillRef>
+          <a:effectRef idx="0">
+            <a:schemeClr val="accent6"/>
+          </a:effectRef>
+          <a:fontRef idx="minor">
+            <a:schemeClr val="dk1"/>
+          </a:fontRef>
+        </p:style>
+        <p:txBody>
+          <a:bodyPr rtlCol="0" anchor="ctr"/>
+          <a:lstStyle/>
+          <a:p>
+            <a:pPr algn="ctr"/>
+            <a:r>
+              <a:rPr kumimoji="1" lang="en" altLang="ja-JP" sz="2000" dirty="0">
+                <a:latin typeface="Arial" panose="020B0604020202020204" pitchFamily="34" charset="0"/>
+                <a:cs typeface="Arial" panose="020B0604020202020204" pitchFamily="34" charset="0"/>
+              </a:rPr>
+              <a:t>muscle fiber conduction velocity become slower</a:t>
+            </a:r>
+            <a:endParaRPr kumimoji="1" lang="ja-JP" altLang="en-US" sz="2000">
               <a:latin typeface="Arial" panose="020B0604020202020204" pitchFamily="34" charset="0"/>
               <a:cs typeface="Arial" panose="020B0604020202020204" pitchFamily="34" charset="0"/>
             </a:endParaRPr>
           </a:p>
         </p:txBody>
       </p:sp>
+      <p:sp>
+        <p:nvSpPr>
+          <p:cNvPr id="6" name="正方形/長方形 5">
+            <a:extLst>
+              <a:ext uri="{FF2B5EF4-FFF2-40B4-BE49-F238E27FC236}">
+                <a16:creationId xmlns:a16="http://schemas.microsoft.com/office/drawing/2014/main" id="{8B9EA293-DD8B-9EFC-B8BE-24C306C0F4E1}"/>
+              </a:ext>
+            </a:extLst>
+          </p:cNvPr>
+          <p:cNvSpPr/>
+          <p:nvPr/>
+        </p:nvSpPr>
+        <p:spPr>
+          <a:xfrm>
+            <a:off x="317898" y="1816278"/>
+            <a:ext cx="5559552" cy="707136"/>
+          </a:xfrm>
+          <a:prstGeom prst="rect">
+            <a:avLst/>
+          </a:prstGeom>
+          <a:ln w="19050">
+            <a:solidFill>
+              <a:schemeClr val="tx1"/>
+            </a:solidFill>
+          </a:ln>
+        </p:spPr>
+        <p:style>
+          <a:lnRef idx="2">
+            <a:schemeClr val="accent6"/>
+          </a:lnRef>
+          <a:fillRef idx="1">
+            <a:schemeClr val="lt1"/>
+          </a:fillRef>
+          <a:effectRef idx="0">
+            <a:schemeClr val="accent6"/>
+          </a:effectRef>
+          <a:fontRef idx="minor">
+            <a:schemeClr val="dk1"/>
+          </a:fontRef>
+        </p:style>
+        <p:txBody>
+          <a:bodyPr rtlCol="0" anchor="ctr"/>
+          <a:lstStyle/>
+          <a:p>
+            <a:pPr algn="ctr"/>
+            <a:r>
+              <a:rPr lang="en" altLang="ja-JP" sz="2000" dirty="0">
+                <a:latin typeface="Arial" panose="020B0604020202020204" pitchFamily="34" charset="0"/>
+                <a:cs typeface="Arial" panose="020B0604020202020204" pitchFamily="34" charset="0"/>
+              </a:rPr>
+              <a:t>motor units increase</a:t>
+            </a:r>
+            <a:endParaRPr lang="en" altLang="ja-JP" sz="2000" dirty="0">
+              <a:effectLst/>
+              <a:latin typeface="Arial" panose="020B0604020202020204" pitchFamily="34" charset="0"/>
+              <a:cs typeface="Arial" panose="020B0604020202020204" pitchFamily="34" charset="0"/>
+            </a:endParaRPr>
+          </a:p>
+        </p:txBody>
+      </p:sp>
+      <p:cxnSp>
+        <p:nvCxnSpPr>
+          <p:cNvPr id="8" name="直線矢印コネクタ 7">
+            <a:extLst>
+              <a:ext uri="{FF2B5EF4-FFF2-40B4-BE49-F238E27FC236}">
+                <a16:creationId xmlns:a16="http://schemas.microsoft.com/office/drawing/2014/main" id="{620156C4-C76B-93EE-A4CB-B893EA761407}"/>
+              </a:ext>
+            </a:extLst>
+          </p:cNvPr>
+          <p:cNvCxnSpPr>
+            <a:stCxn id="3" idx="2"/>
+            <a:endCxn id="6" idx="0"/>
+          </p:cNvCxnSpPr>
+          <p:nvPr/>
+        </p:nvCxnSpPr>
+        <p:spPr>
+          <a:xfrm>
+            <a:off x="3097674" y="1597152"/>
+            <a:ext cx="0" cy="219126"/>
+          </a:xfrm>
+          <a:prstGeom prst="straightConnector1">
+            <a:avLst/>
+          </a:prstGeom>
+          <a:ln w="28575">
+            <a:tailEnd type="triangle"/>
+          </a:ln>
+        </p:spPr>
+        <p:style>
+          <a:lnRef idx="1">
+            <a:schemeClr val="accent1"/>
+          </a:lnRef>
+          <a:fillRef idx="0">
+            <a:schemeClr val="accent1"/>
+          </a:fillRef>
+          <a:effectRef idx="0">
+            <a:schemeClr val="accent1"/>
+          </a:effectRef>
+          <a:fontRef idx="minor">
+            <a:schemeClr val="tx1"/>
+          </a:fontRef>
+        </p:style>
+      </p:cxnSp>
+      <p:sp>
+        <p:nvSpPr>
+          <p:cNvPr id="10" name="正方形/長方形 9">
+            <a:extLst>
+              <a:ext uri="{FF2B5EF4-FFF2-40B4-BE49-F238E27FC236}">
+                <a16:creationId xmlns:a16="http://schemas.microsoft.com/office/drawing/2014/main" id="{95017537-AA7A-EFD0-A7E5-74E36B831983}"/>
+              </a:ext>
+            </a:extLst>
+          </p:cNvPr>
+          <p:cNvSpPr/>
+          <p:nvPr/>
+        </p:nvSpPr>
+        <p:spPr>
+          <a:xfrm>
+            <a:off x="317898" y="2742540"/>
+            <a:ext cx="5559552" cy="707136"/>
+          </a:xfrm>
+          <a:prstGeom prst="rect">
+            <a:avLst/>
+          </a:prstGeom>
+          <a:ln w="19050">
+            <a:solidFill>
+              <a:schemeClr val="tx1"/>
+            </a:solidFill>
+          </a:ln>
+        </p:spPr>
+        <p:style>
+          <a:lnRef idx="2">
+            <a:schemeClr val="accent6"/>
+          </a:lnRef>
+          <a:fillRef idx="1">
+            <a:schemeClr val="lt1"/>
+          </a:fillRef>
+          <a:effectRef idx="0">
+            <a:schemeClr val="accent6"/>
+          </a:effectRef>
+          <a:fontRef idx="minor">
+            <a:schemeClr val="dk1"/>
+          </a:fontRef>
+        </p:style>
+        <p:txBody>
+          <a:bodyPr rtlCol="0" anchor="ctr"/>
+          <a:lstStyle/>
+          <a:p>
+            <a:pPr algn="ctr"/>
+            <a:r>
+              <a:rPr lang="en" altLang="ja-JP" sz="2000" dirty="0">
+                <a:latin typeface="Arial" panose="020B0604020202020204" pitchFamily="34" charset="0"/>
+                <a:cs typeface="Arial" panose="020B0604020202020204" pitchFamily="34" charset="0"/>
+              </a:rPr>
+              <a:t>a</a:t>
+            </a:r>
+            <a:r>
+              <a:rPr lang="en" altLang="ja-JP" sz="2000" dirty="0">
+                <a:effectLst/>
+                <a:latin typeface="Arial" panose="020B0604020202020204" pitchFamily="34" charset="0"/>
+                <a:cs typeface="Arial" panose="020B0604020202020204" pitchFamily="34" charset="0"/>
+              </a:rPr>
+              <a:t>mplitude increases</a:t>
+            </a:r>
+          </a:p>
+        </p:txBody>
+      </p:sp>
+      <p:cxnSp>
+        <p:nvCxnSpPr>
+          <p:cNvPr id="12" name="直線矢印コネクタ 11">
+            <a:extLst>
+              <a:ext uri="{FF2B5EF4-FFF2-40B4-BE49-F238E27FC236}">
+                <a16:creationId xmlns:a16="http://schemas.microsoft.com/office/drawing/2014/main" id="{C9B370DF-DBA2-2ECA-243C-AA7AA7E9E60D}"/>
+              </a:ext>
+            </a:extLst>
+          </p:cNvPr>
+          <p:cNvCxnSpPr>
+            <a:cxnSpLocks/>
+            <a:stCxn id="6" idx="2"/>
+            <a:endCxn id="10" idx="0"/>
+          </p:cNvCxnSpPr>
+          <p:nvPr/>
+        </p:nvCxnSpPr>
+        <p:spPr>
+          <a:xfrm>
+            <a:off x="3097674" y="2523414"/>
+            <a:ext cx="0" cy="219126"/>
+          </a:xfrm>
+          <a:prstGeom prst="straightConnector1">
+            <a:avLst/>
+          </a:prstGeom>
+          <a:ln w="28575">
+            <a:tailEnd type="triangle"/>
+          </a:ln>
+        </p:spPr>
+        <p:style>
+          <a:lnRef idx="1">
+            <a:schemeClr val="accent1"/>
+          </a:lnRef>
+          <a:fillRef idx="0">
+            <a:schemeClr val="accent1"/>
+          </a:fillRef>
+          <a:effectRef idx="0">
+            <a:schemeClr val="accent1"/>
+          </a:effectRef>
+          <a:fontRef idx="minor">
+            <a:schemeClr val="tx1"/>
+          </a:fontRef>
+        </p:style>
+      </p:cxnSp>
+      <p:sp>
+        <p:nvSpPr>
+          <p:cNvPr id="14" name="正方形/長方形 13">
+            <a:extLst>
+              <a:ext uri="{FF2B5EF4-FFF2-40B4-BE49-F238E27FC236}">
+                <a16:creationId xmlns:a16="http://schemas.microsoft.com/office/drawing/2014/main" id="{02D923AE-30E6-DA25-669E-1FACEE7E691F}"/>
+              </a:ext>
+            </a:extLst>
+          </p:cNvPr>
+          <p:cNvSpPr/>
+          <p:nvPr/>
+        </p:nvSpPr>
+        <p:spPr>
+          <a:xfrm>
+            <a:off x="6314550" y="2742540"/>
+            <a:ext cx="5559552" cy="707136"/>
+          </a:xfrm>
+          <a:prstGeom prst="rect">
+            <a:avLst/>
+          </a:prstGeom>
+          <a:ln w="19050">
+            <a:solidFill>
+              <a:schemeClr val="tx1"/>
+            </a:solidFill>
+          </a:ln>
+        </p:spPr>
+        <p:style>
+          <a:lnRef idx="2">
+            <a:schemeClr val="accent6"/>
+          </a:lnRef>
+          <a:fillRef idx="1">
+            <a:schemeClr val="lt1"/>
+          </a:fillRef>
+          <a:effectRef idx="0">
+            <a:schemeClr val="accent6"/>
+          </a:effectRef>
+          <a:fontRef idx="minor">
+            <a:schemeClr val="dk1"/>
+          </a:fontRef>
+        </p:style>
+        <p:txBody>
+          <a:bodyPr rtlCol="0" anchor="ctr"/>
+          <a:lstStyle/>
+          <a:p>
+            <a:pPr algn="ctr"/>
+            <a:r>
+              <a:rPr lang="en" altLang="ja-JP" sz="2000" dirty="0">
+                <a:latin typeface="Arial" panose="020B0604020202020204" pitchFamily="34" charset="0"/>
+                <a:cs typeface="Arial" panose="020B0604020202020204" pitchFamily="34" charset="0"/>
+              </a:rPr>
+              <a:t>EMG signal frequencies become lower </a:t>
+            </a:r>
+            <a:endParaRPr lang="en" altLang="ja-JP" sz="2000" dirty="0">
+              <a:effectLst/>
+              <a:latin typeface="Arial" panose="020B0604020202020204" pitchFamily="34" charset="0"/>
+              <a:cs typeface="Arial" panose="020B0604020202020204" pitchFamily="34" charset="0"/>
+            </a:endParaRPr>
+          </a:p>
+        </p:txBody>
+      </p:sp>
+      <p:cxnSp>
+        <p:nvCxnSpPr>
+          <p:cNvPr id="15" name="直線矢印コネクタ 14">
+            <a:extLst>
+              <a:ext uri="{FF2B5EF4-FFF2-40B4-BE49-F238E27FC236}">
+                <a16:creationId xmlns:a16="http://schemas.microsoft.com/office/drawing/2014/main" id="{78D3520D-BB6A-82B1-8FDC-14A326F6101A}"/>
+              </a:ext>
+            </a:extLst>
+          </p:cNvPr>
+          <p:cNvCxnSpPr>
+            <a:cxnSpLocks/>
+            <a:stCxn id="4" idx="2"/>
+            <a:endCxn id="14" idx="0"/>
+          </p:cNvCxnSpPr>
+          <p:nvPr/>
+        </p:nvCxnSpPr>
+        <p:spPr>
+          <a:xfrm>
+            <a:off x="9094326" y="1597152"/>
+            <a:ext cx="0" cy="1145388"/>
+          </a:xfrm>
+          <a:prstGeom prst="straightConnector1">
+            <a:avLst/>
+          </a:prstGeom>
+          <a:ln w="28575">
+            <a:tailEnd type="triangle"/>
+          </a:ln>
+        </p:spPr>
+        <p:style>
+          <a:lnRef idx="1">
+            <a:schemeClr val="accent1"/>
+          </a:lnRef>
+          <a:fillRef idx="0">
+            <a:schemeClr val="accent1"/>
+          </a:fillRef>
+          <a:effectRef idx="0">
+            <a:schemeClr val="accent1"/>
+          </a:effectRef>
+          <a:fontRef idx="minor">
+            <a:schemeClr val="tx1"/>
+          </a:fontRef>
+        </p:style>
+      </p:cxnSp>
       <p:pic>
         <p:nvPicPr>
-          <p:cNvPr id="5" name="図 4" descr="テキスト, ホワイトボード&#10;&#10;自動的に生成された説明">
-            <a:extLst>
-              <a:ext uri="{FF2B5EF4-FFF2-40B4-BE49-F238E27FC236}">
-                <a16:creationId xmlns:a16="http://schemas.microsoft.com/office/drawing/2014/main" id="{20F57F5D-4B21-C723-4EEC-08A928EFC7DE}"/>
+          <p:cNvPr id="19" name="図 18" descr="ダイアグラム&#10;&#10;自動的に生成された説明">
+            <a:extLst>
+              <a:ext uri="{FF2B5EF4-FFF2-40B4-BE49-F238E27FC236}">
+                <a16:creationId xmlns:a16="http://schemas.microsoft.com/office/drawing/2014/main" id="{C50BD946-58B8-6A3A-C6B0-060C7653CA75}"/>
               </a:ext>
             </a:extLst>
           </p:cNvPr>
@@ -4241,18 +4998,162 @@
         </p:blipFill>
         <p:spPr>
           <a:xfrm>
-            <a:off x="1894134" y="2334912"/>
-            <a:ext cx="7772400" cy="2188175"/>
+            <a:off x="6265782" y="3541117"/>
+            <a:ext cx="5657088" cy="2988048"/>
           </a:xfrm>
           <a:prstGeom prst="rect">
             <a:avLst/>
           </a:prstGeom>
         </p:spPr>
       </p:pic>
+      <p:pic>
+        <p:nvPicPr>
+          <p:cNvPr id="26" name="図 25" descr="グラフ, 散布図&#10;&#10;自動的に生成された説明">
+            <a:extLst>
+              <a:ext uri="{FF2B5EF4-FFF2-40B4-BE49-F238E27FC236}">
+                <a16:creationId xmlns:a16="http://schemas.microsoft.com/office/drawing/2014/main" id="{D7959F90-DD13-6995-9B4B-1FF04D038A66}"/>
+              </a:ext>
+            </a:extLst>
+          </p:cNvPr>
+          <p:cNvPicPr>
+            <a:picLocks noChangeAspect="1"/>
+          </p:cNvPicPr>
+          <p:nvPr/>
+        </p:nvPicPr>
+        <p:blipFill>
+          <a:blip r:embed="rId3"/>
+          <a:stretch>
+            <a:fillRect/>
+          </a:stretch>
+        </p:blipFill>
+        <p:spPr>
+          <a:xfrm>
+            <a:off x="1869330" y="3538634"/>
+            <a:ext cx="2239374" cy="2911186"/>
+          </a:xfrm>
+          <a:prstGeom prst="rect">
+            <a:avLst/>
+          </a:prstGeom>
+        </p:spPr>
+      </p:pic>
+      <p:sp>
+        <p:nvSpPr>
+          <p:cNvPr id="27" name="テキスト ボックス 26">
+            <a:extLst>
+              <a:ext uri="{FF2B5EF4-FFF2-40B4-BE49-F238E27FC236}">
+                <a16:creationId xmlns:a16="http://schemas.microsoft.com/office/drawing/2014/main" id="{B372AEE7-1180-4ECF-9FD4-1B4E1B943528}"/>
+              </a:ext>
+            </a:extLst>
+          </p:cNvPr>
+          <p:cNvSpPr txBox="1"/>
+          <p:nvPr/>
+        </p:nvSpPr>
+        <p:spPr>
+          <a:xfrm>
+            <a:off x="6195215" y="6554965"/>
+            <a:ext cx="5798222" cy="276999"/>
+          </a:xfrm>
+          <a:prstGeom prst="rect">
+            <a:avLst/>
+          </a:prstGeom>
+          <a:noFill/>
+        </p:spPr>
+        <p:txBody>
+          <a:bodyPr wrap="square" rtlCol="0">
+            <a:spAutoFit/>
+          </a:bodyPr>
+          <a:lstStyle/>
+          <a:p>
+            <a:pPr algn="r"/>
+            <a:r>
+              <a:rPr kumimoji="1" lang="en-US" altLang="ja-JP" sz="1200" dirty="0">
+                <a:solidFill>
+                  <a:schemeClr val="tx1">
+                    <a:lumMod val="50000"/>
+                    <a:lumOff val="50000"/>
+                  </a:schemeClr>
+                </a:solidFill>
+                <a:latin typeface="Arial" panose="020B0604020202020204" pitchFamily="34" charset="0"/>
+                <a:cs typeface="Arial" panose="020B0604020202020204" pitchFamily="34" charset="0"/>
+              </a:rPr>
+              <a:t>ABC of EMG, P51, </a:t>
+            </a:r>
+            <a:r>
+              <a:rPr lang="en" altLang="ja-JP" sz="1200" dirty="0">
+                <a:solidFill>
+                  <a:schemeClr val="tx1">
+                    <a:lumMod val="50000"/>
+                    <a:lumOff val="50000"/>
+                  </a:schemeClr>
+                </a:solidFill>
+                <a:latin typeface="Arial" panose="020B0604020202020204" pitchFamily="34" charset="0"/>
+                <a:cs typeface="Arial" panose="020B0604020202020204" pitchFamily="34" charset="0"/>
+              </a:rPr>
+              <a:t>Does the muscle fatigue? </a:t>
+            </a:r>
+            <a:endParaRPr kumimoji="1" lang="ja-JP" altLang="en-US" sz="1200">
+              <a:solidFill>
+                <a:schemeClr val="tx1">
+                  <a:lumMod val="50000"/>
+                  <a:lumOff val="50000"/>
+                </a:schemeClr>
+              </a:solidFill>
+              <a:latin typeface="Arial" panose="020B0604020202020204" pitchFamily="34" charset="0"/>
+              <a:cs typeface="Arial" panose="020B0604020202020204" pitchFamily="34" charset="0"/>
+            </a:endParaRPr>
+          </a:p>
+        </p:txBody>
+      </p:sp>
+      <p:sp>
+        <p:nvSpPr>
+          <p:cNvPr id="28" name="テキスト ボックス 27">
+            <a:extLst>
+              <a:ext uri="{FF2B5EF4-FFF2-40B4-BE49-F238E27FC236}">
+                <a16:creationId xmlns:a16="http://schemas.microsoft.com/office/drawing/2014/main" id="{A0C89B74-50BD-E868-0DCF-1637A3632B82}"/>
+              </a:ext>
+            </a:extLst>
+          </p:cNvPr>
+          <p:cNvSpPr txBox="1"/>
+          <p:nvPr/>
+        </p:nvSpPr>
+        <p:spPr>
+          <a:xfrm>
+            <a:off x="198563" y="6548520"/>
+            <a:ext cx="5798222" cy="276999"/>
+          </a:xfrm>
+          <a:prstGeom prst="rect">
+            <a:avLst/>
+          </a:prstGeom>
+          <a:noFill/>
+        </p:spPr>
+        <p:txBody>
+          <a:bodyPr wrap="square" rtlCol="0">
+            <a:spAutoFit/>
+          </a:bodyPr>
+          <a:lstStyle/>
+          <a:p>
+            <a:pPr algn="r"/>
+            <a:r>
+              <a:rPr lang="en" altLang="ja-JP" sz="1200" b="0" i="0" dirty="0">
+                <a:solidFill>
+                  <a:schemeClr val="tx1">
+                    <a:lumMod val="50000"/>
+                    <a:lumOff val="50000"/>
+                  </a:schemeClr>
+                </a:solidFill>
+                <a:effectLst/>
+                <a:latin typeface="Arial" panose="020B0604020202020204" pitchFamily="34" charset="0"/>
+                <a:cs typeface="Arial" panose="020B0604020202020204" pitchFamily="34" charset="0"/>
+              </a:rPr>
+              <a:t>Todd D. Royer, 2015, International Journal of Athletic Therapy and Training</a:t>
+            </a:r>
+          </a:p>
+        </p:txBody>
+      </p:sp>
     </p:spTree>
     <p:extLst>
       <p:ext uri="{BB962C8B-B14F-4D97-AF65-F5344CB8AC3E}">
-        <p14:creationId xmlns:p14="http://schemas.microsoft.com/office/powerpoint/2010/main" val="2690131818"/>
+        <p14:creationId xmlns:p14="http://schemas.microsoft.com/office/powerpoint/2010/main" val="2351484454"/>
       </p:ext>
     </p:extLst>
   </p:cSld>

--- a/report/20220923.pptx
+++ b/report/20220923.pptx
@@ -3846,7 +3846,7 @@
       </p:grpSpPr>
       <p:pic>
         <p:nvPicPr>
-          <p:cNvPr id="5" name="図 4" descr="グラフ, 折れ線グラフ&#10;&#10;自動的に生成された説明">
+          <p:cNvPr id="5" name="図 4">
             <a:extLst>
               <a:ext uri="{FF2B5EF4-FFF2-40B4-BE49-F238E27FC236}">
                 <a16:creationId xmlns:a16="http://schemas.microsoft.com/office/drawing/2014/main" id="{23C4054E-F7CF-1129-4F4B-FF1099C02EBA}"/>
@@ -3860,14 +3860,13 @@
         </p:nvPicPr>
         <p:blipFill>
           <a:blip r:embed="rId2"/>
-          <a:stretch>
-            <a:fillRect/>
-          </a:stretch>
+          <a:srcRect/>
+          <a:stretch/>
         </p:blipFill>
         <p:spPr>
           <a:xfrm>
             <a:off x="7778740" y="0"/>
-            <a:ext cx="4413260" cy="3308684"/>
+            <a:ext cx="4413259" cy="3308684"/>
           </a:xfrm>
           <a:prstGeom prst="rect">
             <a:avLst/>
@@ -3876,7 +3875,7 @@
       </p:pic>
       <p:pic>
         <p:nvPicPr>
-          <p:cNvPr id="7" name="図 6" descr="グラフ, 折れ線グラフ&#10;&#10;自動的に生成された説明">
+          <p:cNvPr id="7" name="図 6">
             <a:extLst>
               <a:ext uri="{FF2B5EF4-FFF2-40B4-BE49-F238E27FC236}">
                 <a16:creationId xmlns:a16="http://schemas.microsoft.com/office/drawing/2014/main" id="{7F9DE804-F212-7FA3-44D4-796E519BA5DC}"/>
@@ -3890,14 +3889,13 @@
         </p:nvPicPr>
         <p:blipFill>
           <a:blip r:embed="rId3"/>
-          <a:stretch>
-            <a:fillRect/>
-          </a:stretch>
+          <a:srcRect/>
+          <a:stretch/>
         </p:blipFill>
         <p:spPr>
           <a:xfrm>
             <a:off x="7778740" y="3549317"/>
-            <a:ext cx="4413260" cy="3308684"/>
+            <a:ext cx="4413259" cy="3308684"/>
           </a:xfrm>
           <a:prstGeom prst="rect">
             <a:avLst/>
@@ -3906,7 +3904,7 @@
       </p:pic>
       <p:pic>
         <p:nvPicPr>
-          <p:cNvPr id="9" name="図 8" descr="グラフ, 折れ線グラフ&#10;&#10;自動的に生成された説明">
+          <p:cNvPr id="9" name="図 8">
             <a:extLst>
               <a:ext uri="{FF2B5EF4-FFF2-40B4-BE49-F238E27FC236}">
                 <a16:creationId xmlns:a16="http://schemas.microsoft.com/office/drawing/2014/main" id="{0AD011A9-8868-1FE1-9EB1-AA62CA042806}"/>
@@ -3920,14 +3918,13 @@
         </p:nvPicPr>
         <p:blipFill>
           <a:blip r:embed="rId4"/>
-          <a:stretch>
-            <a:fillRect/>
-          </a:stretch>
+          <a:srcRect/>
+          <a:stretch/>
         </p:blipFill>
         <p:spPr>
           <a:xfrm>
             <a:off x="3409595" y="-1"/>
-            <a:ext cx="4411578" cy="3308684"/>
+            <a:ext cx="4411578" cy="3308683"/>
           </a:xfrm>
           <a:prstGeom prst="rect">
             <a:avLst/>
@@ -3948,7 +3945,7 @@
         </p:nvSpPr>
         <p:spPr>
           <a:xfrm>
-            <a:off x="7821174" y="1"/>
+            <a:off x="7830052" y="17757"/>
             <a:ext cx="468583" cy="2995862"/>
           </a:xfrm>
           <a:prstGeom prst="roundRect">
@@ -3995,7 +3992,7 @@
         </p:nvSpPr>
         <p:spPr>
           <a:xfrm>
-            <a:off x="7821173" y="3537288"/>
+            <a:off x="7830051" y="3555044"/>
             <a:ext cx="468583" cy="2995862"/>
           </a:xfrm>
           <a:prstGeom prst="roundRect">
@@ -4030,7 +4027,7 @@
       </p:sp>
       <p:pic>
         <p:nvPicPr>
-          <p:cNvPr id="17" name="図 16" descr="グラフ, 折れ線グラフ&#10;&#10;自動的に生成された説明">
+          <p:cNvPr id="17" name="図 16">
             <a:extLst>
               <a:ext uri="{FF2B5EF4-FFF2-40B4-BE49-F238E27FC236}">
                 <a16:creationId xmlns:a16="http://schemas.microsoft.com/office/drawing/2014/main" id="{57AB700B-417E-3822-8EFB-78CE2A0C5916}"/>
@@ -4044,14 +4041,13 @@
         </p:nvPicPr>
         <p:blipFill>
           <a:blip r:embed="rId5"/>
-          <a:stretch>
-            <a:fillRect/>
-          </a:stretch>
+          <a:srcRect/>
+          <a:stretch/>
         </p:blipFill>
         <p:spPr>
           <a:xfrm>
             <a:off x="3407912" y="3548053"/>
-            <a:ext cx="4413261" cy="3309946"/>
+            <a:ext cx="4413261" cy="3309945"/>
           </a:xfrm>
           <a:prstGeom prst="rect">
             <a:avLst/>
@@ -4208,21 +4204,7 @@
                 <a:latin typeface="Arial" panose="020B0604020202020204" pitchFamily="34" charset="0"/>
                 <a:cs typeface="Arial" panose="020B0604020202020204" pitchFamily="34" charset="0"/>
               </a:rPr>
-              <a:t>(-150~+50) around </a:t>
-            </a:r>
-            <a:r>
-              <a:rPr lang="en-US" altLang="ja-JP" sz="2400" dirty="0" err="1">
-                <a:latin typeface="Arial" panose="020B0604020202020204" pitchFamily="34" charset="0"/>
-                <a:cs typeface="Arial" panose="020B0604020202020204" pitchFamily="34" charset="0"/>
-              </a:rPr>
-              <a:t>GoCue</a:t>
-            </a:r>
-            <a:r>
-              <a:rPr lang="en-US" altLang="ja-JP" sz="2400" dirty="0">
-                <a:latin typeface="Arial" panose="020B0604020202020204" pitchFamily="34" charset="0"/>
-                <a:cs typeface="Arial" panose="020B0604020202020204" pitchFamily="34" charset="0"/>
-              </a:rPr>
-              <a:t> </a:t>
+              <a:t>(-150~+50) </a:t>
             </a:r>
             <a:r>
               <a:rPr lang="en-US" altLang="ja-JP" sz="2400" b="1" dirty="0">
@@ -4231,7 +4213,7 @@
               </a:rPr>
               <a:t>Not each trial …!!</a:t>
             </a:r>
-            <a:endParaRPr kumimoji="1" lang="ja-JP" altLang="en-US" sz="2400" b="1">
+            <a:endParaRPr kumimoji="1" lang="ja-JP" altLang="en-US" sz="2400" b="1" dirty="0">
               <a:latin typeface="Arial" panose="020B0604020202020204" pitchFamily="34" charset="0"/>
               <a:cs typeface="Arial" panose="020B0604020202020204" pitchFamily="34" charset="0"/>
             </a:endParaRPr>
@@ -4342,7 +4324,7 @@
       </p:sp>
       <p:pic>
         <p:nvPicPr>
-          <p:cNvPr id="4" name="図 3" descr="グラフ, 折れ線グラフ&#10;&#10;自動的に生成された説明">
+          <p:cNvPr id="4" name="図 3">
             <a:extLst>
               <a:ext uri="{FF2B5EF4-FFF2-40B4-BE49-F238E27FC236}">
                 <a16:creationId xmlns:a16="http://schemas.microsoft.com/office/drawing/2014/main" id="{66E7F6C3-7E48-BD06-DCC7-87E7A1D1BA8C}"/>
@@ -4356,9 +4338,8 @@
         </p:nvPicPr>
         <p:blipFill>
           <a:blip r:embed="rId2"/>
-          <a:stretch>
-            <a:fillRect/>
-          </a:stretch>
+          <a:srcRect/>
+          <a:stretch/>
         </p:blipFill>
         <p:spPr>
           <a:xfrm>
@@ -4467,6 +4448,248 @@
               <a:latin typeface="Arial" panose="020B0604020202020204" pitchFamily="34" charset="0"/>
               <a:cs typeface="Arial" panose="020B0604020202020204" pitchFamily="34" charset="0"/>
             </a:endParaRPr>
+          </a:p>
+        </p:txBody>
+      </p:sp>
+      <p:pic>
+        <p:nvPicPr>
+          <p:cNvPr id="4" name="図 3" descr="グラフ, 散布図, バブル チャート&#10;&#10;自動的に生成された説明">
+            <a:extLst>
+              <a:ext uri="{FF2B5EF4-FFF2-40B4-BE49-F238E27FC236}">
+                <a16:creationId xmlns:a16="http://schemas.microsoft.com/office/drawing/2014/main" id="{4392A786-7471-361C-384C-50DE6358CCDD}"/>
+              </a:ext>
+            </a:extLst>
+          </p:cNvPr>
+          <p:cNvPicPr>
+            <a:picLocks noChangeAspect="1"/>
+          </p:cNvPicPr>
+          <p:nvPr/>
+        </p:nvPicPr>
+        <p:blipFill>
+          <a:blip r:embed="rId2"/>
+          <a:stretch>
+            <a:fillRect/>
+          </a:stretch>
+        </p:blipFill>
+        <p:spPr>
+          <a:xfrm>
+            <a:off x="1906748" y="816930"/>
+            <a:ext cx="4104861" cy="3077473"/>
+          </a:xfrm>
+          <a:prstGeom prst="rect">
+            <a:avLst/>
+          </a:prstGeom>
+        </p:spPr>
+      </p:pic>
+      <p:pic>
+        <p:nvPicPr>
+          <p:cNvPr id="6" name="図 5" descr="グラフ, 散布図&#10;&#10;自動的に生成された説明">
+            <a:extLst>
+              <a:ext uri="{FF2B5EF4-FFF2-40B4-BE49-F238E27FC236}">
+                <a16:creationId xmlns:a16="http://schemas.microsoft.com/office/drawing/2014/main" id="{B762963B-8034-0813-85AC-B8013B058B4C}"/>
+              </a:ext>
+            </a:extLst>
+          </p:cNvPr>
+          <p:cNvPicPr>
+            <a:picLocks noChangeAspect="1"/>
+          </p:cNvPicPr>
+          <p:nvPr/>
+        </p:nvPicPr>
+        <p:blipFill>
+          <a:blip r:embed="rId3"/>
+          <a:stretch>
+            <a:fillRect/>
+          </a:stretch>
+        </p:blipFill>
+        <p:spPr>
+          <a:xfrm>
+            <a:off x="6654266" y="816930"/>
+            <a:ext cx="4104862" cy="3078647"/>
+          </a:xfrm>
+          <a:prstGeom prst="rect">
+            <a:avLst/>
+          </a:prstGeom>
+        </p:spPr>
+      </p:pic>
+      <p:pic>
+        <p:nvPicPr>
+          <p:cNvPr id="8" name="図 7" descr="グラフ, 散布図, バブル チャート&#10;&#10;自動的に生成された説明">
+            <a:extLst>
+              <a:ext uri="{FF2B5EF4-FFF2-40B4-BE49-F238E27FC236}">
+                <a16:creationId xmlns:a16="http://schemas.microsoft.com/office/drawing/2014/main" id="{0D33D9C9-CD3E-4C7C-68ED-BD0BF32658E0}"/>
+              </a:ext>
+            </a:extLst>
+          </p:cNvPr>
+          <p:cNvPicPr>
+            <a:picLocks noChangeAspect="1"/>
+          </p:cNvPicPr>
+          <p:nvPr/>
+        </p:nvPicPr>
+        <p:blipFill>
+          <a:blip r:embed="rId4"/>
+          <a:stretch>
+            <a:fillRect/>
+          </a:stretch>
+        </p:blipFill>
+        <p:spPr>
+          <a:xfrm>
+            <a:off x="39756" y="3740770"/>
+            <a:ext cx="4104861" cy="3077473"/>
+          </a:xfrm>
+          <a:prstGeom prst="rect">
+            <a:avLst/>
+          </a:prstGeom>
+        </p:spPr>
+      </p:pic>
+      <p:pic>
+        <p:nvPicPr>
+          <p:cNvPr id="10" name="図 9" descr="グラフ, 散布図, バブル チャート&#10;&#10;自動的に生成された説明">
+            <a:extLst>
+              <a:ext uri="{FF2B5EF4-FFF2-40B4-BE49-F238E27FC236}">
+                <a16:creationId xmlns:a16="http://schemas.microsoft.com/office/drawing/2014/main" id="{40DF2D4C-5097-133C-D508-9397D69893D5}"/>
+              </a:ext>
+            </a:extLst>
+          </p:cNvPr>
+          <p:cNvPicPr>
+            <a:picLocks noChangeAspect="1"/>
+          </p:cNvPicPr>
+          <p:nvPr/>
+        </p:nvPicPr>
+        <p:blipFill>
+          <a:blip r:embed="rId5"/>
+          <a:stretch>
+            <a:fillRect/>
+          </a:stretch>
+        </p:blipFill>
+        <p:spPr>
+          <a:xfrm>
+            <a:off x="3960744" y="3739598"/>
+            <a:ext cx="4104861" cy="3078646"/>
+          </a:xfrm>
+          <a:prstGeom prst="rect">
+            <a:avLst/>
+          </a:prstGeom>
+        </p:spPr>
+      </p:pic>
+      <p:pic>
+        <p:nvPicPr>
+          <p:cNvPr id="12" name="図 11" descr="グラフ, 散布図&#10;&#10;自動的に生成された説明">
+            <a:extLst>
+              <a:ext uri="{FF2B5EF4-FFF2-40B4-BE49-F238E27FC236}">
+                <a16:creationId xmlns:a16="http://schemas.microsoft.com/office/drawing/2014/main" id="{ADAEF174-EE64-2777-75C3-F552EFA8FC88}"/>
+              </a:ext>
+            </a:extLst>
+          </p:cNvPr>
+          <p:cNvPicPr>
+            <a:picLocks noChangeAspect="1"/>
+          </p:cNvPicPr>
+          <p:nvPr/>
+        </p:nvPicPr>
+        <p:blipFill>
+          <a:blip r:embed="rId6"/>
+          <a:stretch>
+            <a:fillRect/>
+          </a:stretch>
+        </p:blipFill>
+        <p:spPr>
+          <a:xfrm>
+            <a:off x="7984593" y="3739598"/>
+            <a:ext cx="4106426" cy="3078646"/>
+          </a:xfrm>
+          <a:prstGeom prst="rect">
+            <a:avLst/>
+          </a:prstGeom>
+        </p:spPr>
+      </p:pic>
+      <p:sp>
+        <p:nvSpPr>
+          <p:cNvPr id="13" name="四角形: 角を丸くする 12">
+            <a:extLst>
+              <a:ext uri="{FF2B5EF4-FFF2-40B4-BE49-F238E27FC236}">
+                <a16:creationId xmlns:a16="http://schemas.microsoft.com/office/drawing/2014/main" id="{739DC4DF-D80A-5B14-47FD-DAC2702ED318}"/>
+              </a:ext>
+            </a:extLst>
+          </p:cNvPr>
+          <p:cNvSpPr/>
+          <p:nvPr/>
+        </p:nvSpPr>
+        <p:spPr>
+          <a:xfrm>
+            <a:off x="4462670" y="815757"/>
+            <a:ext cx="1548939" cy="1360913"/>
+          </a:xfrm>
+          <a:prstGeom prst="roundRect">
+            <a:avLst/>
+          </a:prstGeom>
+          <a:noFill/>
+          <a:ln w="28575">
+            <a:solidFill>
+              <a:srgbClr val="FF0000"/>
+            </a:solidFill>
+            <a:prstDash val="sysDash"/>
+          </a:ln>
+        </p:spPr>
+        <p:style>
+          <a:lnRef idx="2">
+            <a:schemeClr val="accent1">
+              <a:shade val="50000"/>
+            </a:schemeClr>
+          </a:lnRef>
+          <a:fillRef idx="1">
+            <a:schemeClr val="accent1"/>
+          </a:fillRef>
+          <a:effectRef idx="0">
+            <a:schemeClr val="accent1"/>
+          </a:effectRef>
+          <a:fontRef idx="minor">
+            <a:schemeClr val="lt1"/>
+          </a:fontRef>
+        </p:style>
+        <p:txBody>
+          <a:bodyPr rtlCol="0" anchor="ctr"/>
+          <a:lstStyle/>
+          <a:p>
+            <a:pPr algn="ctr"/>
+            <a:endParaRPr lang="en-US"/>
+          </a:p>
+        </p:txBody>
+      </p:sp>
+      <p:sp>
+        <p:nvSpPr>
+          <p:cNvPr id="14" name="テキスト ボックス 13">
+            <a:extLst>
+              <a:ext uri="{FF2B5EF4-FFF2-40B4-BE49-F238E27FC236}">
+                <a16:creationId xmlns:a16="http://schemas.microsoft.com/office/drawing/2014/main" id="{81713214-B645-1B2B-C565-FB9DA95F7FE7}"/>
+              </a:ext>
+            </a:extLst>
+          </p:cNvPr>
+          <p:cNvSpPr txBox="1"/>
+          <p:nvPr/>
+        </p:nvSpPr>
+        <p:spPr>
+          <a:xfrm>
+            <a:off x="5640282" y="1785358"/>
+            <a:ext cx="371327" cy="369332"/>
+          </a:xfrm>
+          <a:prstGeom prst="rect">
+            <a:avLst/>
+          </a:prstGeom>
+          <a:noFill/>
+        </p:spPr>
+        <p:txBody>
+          <a:bodyPr wrap="square" rtlCol="0">
+            <a:spAutoFit/>
+          </a:bodyPr>
+          <a:lstStyle/>
+          <a:p>
+            <a:r>
+              <a:rPr lang="en-US" b="1" dirty="0">
+                <a:solidFill>
+                  <a:srgbClr val="FF0000"/>
+                </a:solidFill>
+              </a:rPr>
+              <a:t>?</a:t>
+            </a:r>
           </a:p>
         </p:txBody>
       </p:sp>

--- a/report/20220923.pptx
+++ b/report/20220923.pptx
@@ -12,9 +12,7 @@
     <p:sldId id="264" r:id="rId6"/>
     <p:sldId id="260" r:id="rId7"/>
     <p:sldId id="262" r:id="rId8"/>
-    <p:sldId id="257" r:id="rId9"/>
-    <p:sldId id="258" r:id="rId10"/>
-    <p:sldId id="266" r:id="rId11"/>
+    <p:sldId id="266" r:id="rId9"/>
   </p:sldIdLst>
   <p:sldSz cx="12192000" cy="6858000"/>
   <p:notesSz cx="6858000" cy="9144000"/>
@@ -268,7 +266,7 @@
           <a:p>
             <a:fld id="{FE020511-33E7-0346-A1CF-175A10FEEAE4}" type="datetimeFigureOut">
               <a:rPr kumimoji="1" lang="ja-JP" altLang="en-US" smtClean="0"/>
-              <a:t>2022/9/22</a:t>
+              <a:t>2022/9/23</a:t>
             </a:fld>
             <a:endParaRPr kumimoji="1" lang="ja-JP" altLang="en-US"/>
           </a:p>
@@ -498,7 +496,7 @@
           <a:p>
             <a:fld id="{FE020511-33E7-0346-A1CF-175A10FEEAE4}" type="datetimeFigureOut">
               <a:rPr kumimoji="1" lang="ja-JP" altLang="en-US" smtClean="0"/>
-              <a:t>2022/9/22</a:t>
+              <a:t>2022/9/23</a:t>
             </a:fld>
             <a:endParaRPr kumimoji="1" lang="ja-JP" altLang="en-US"/>
           </a:p>
@@ -738,7 +736,7 @@
           <a:p>
             <a:fld id="{FE020511-33E7-0346-A1CF-175A10FEEAE4}" type="datetimeFigureOut">
               <a:rPr kumimoji="1" lang="ja-JP" altLang="en-US" smtClean="0"/>
-              <a:t>2022/9/22</a:t>
+              <a:t>2022/9/23</a:t>
             </a:fld>
             <a:endParaRPr kumimoji="1" lang="ja-JP" altLang="en-US"/>
           </a:p>
@@ -968,7 +966,7 @@
           <a:p>
             <a:fld id="{FE020511-33E7-0346-A1CF-175A10FEEAE4}" type="datetimeFigureOut">
               <a:rPr kumimoji="1" lang="ja-JP" altLang="en-US" smtClean="0"/>
-              <a:t>2022/9/22</a:t>
+              <a:t>2022/9/23</a:t>
             </a:fld>
             <a:endParaRPr kumimoji="1" lang="ja-JP" altLang="en-US"/>
           </a:p>
@@ -1243,7 +1241,7 @@
           <a:p>
             <a:fld id="{FE020511-33E7-0346-A1CF-175A10FEEAE4}" type="datetimeFigureOut">
               <a:rPr kumimoji="1" lang="ja-JP" altLang="en-US" smtClean="0"/>
-              <a:t>2022/9/22</a:t>
+              <a:t>2022/9/23</a:t>
             </a:fld>
             <a:endParaRPr kumimoji="1" lang="ja-JP" altLang="en-US"/>
           </a:p>
@@ -1572,7 +1570,7 @@
           <a:p>
             <a:fld id="{FE020511-33E7-0346-A1CF-175A10FEEAE4}" type="datetimeFigureOut">
               <a:rPr kumimoji="1" lang="ja-JP" altLang="en-US" smtClean="0"/>
-              <a:t>2022/9/22</a:t>
+              <a:t>2022/9/23</a:t>
             </a:fld>
             <a:endParaRPr kumimoji="1" lang="ja-JP" altLang="en-US"/>
           </a:p>
@@ -2048,7 +2046,7 @@
           <a:p>
             <a:fld id="{FE020511-33E7-0346-A1CF-175A10FEEAE4}" type="datetimeFigureOut">
               <a:rPr kumimoji="1" lang="ja-JP" altLang="en-US" smtClean="0"/>
-              <a:t>2022/9/22</a:t>
+              <a:t>2022/9/23</a:t>
             </a:fld>
             <a:endParaRPr kumimoji="1" lang="ja-JP" altLang="en-US"/>
           </a:p>
@@ -2189,7 +2187,7 @@
           <a:p>
             <a:fld id="{FE020511-33E7-0346-A1CF-175A10FEEAE4}" type="datetimeFigureOut">
               <a:rPr kumimoji="1" lang="ja-JP" altLang="en-US" smtClean="0"/>
-              <a:t>2022/9/22</a:t>
+              <a:t>2022/9/23</a:t>
             </a:fld>
             <a:endParaRPr kumimoji="1" lang="ja-JP" altLang="en-US"/>
           </a:p>
@@ -2302,7 +2300,7 @@
           <a:p>
             <a:fld id="{FE020511-33E7-0346-A1CF-175A10FEEAE4}" type="datetimeFigureOut">
               <a:rPr kumimoji="1" lang="ja-JP" altLang="en-US" smtClean="0"/>
-              <a:t>2022/9/22</a:t>
+              <a:t>2022/9/23</a:t>
             </a:fld>
             <a:endParaRPr kumimoji="1" lang="ja-JP" altLang="en-US"/>
           </a:p>
@@ -2645,7 +2643,7 @@
           <a:p>
             <a:fld id="{FE020511-33E7-0346-A1CF-175A10FEEAE4}" type="datetimeFigureOut">
               <a:rPr kumimoji="1" lang="ja-JP" altLang="en-US" smtClean="0"/>
-              <a:t>2022/9/22</a:t>
+              <a:t>2022/9/23</a:t>
             </a:fld>
             <a:endParaRPr kumimoji="1" lang="ja-JP" altLang="en-US"/>
           </a:p>
@@ -2933,7 +2931,7 @@
           <a:p>
             <a:fld id="{FE020511-33E7-0346-A1CF-175A10FEEAE4}" type="datetimeFigureOut">
               <a:rPr kumimoji="1" lang="ja-JP" altLang="en-US" smtClean="0"/>
-              <a:t>2022/9/22</a:t>
+              <a:t>2022/9/23</a:t>
             </a:fld>
             <a:endParaRPr kumimoji="1" lang="ja-JP" altLang="en-US"/>
           </a:p>
@@ -3206,7 +3204,7 @@
           <a:p>
             <a:fld id="{FE020511-33E7-0346-A1CF-175A10FEEAE4}" type="datetimeFigureOut">
               <a:rPr kumimoji="1" lang="ja-JP" altLang="en-US" smtClean="0"/>
-              <a:t>2022/9/22</a:t>
+              <a:t>2022/9/23</a:t>
             </a:fld>
             <a:endParaRPr kumimoji="1" lang="ja-JP" altLang="en-US"/>
           </a:p>
@@ -3713,120 +3711,6 @@
 </p:sld>
 </file>
 
-<file path=ppt/slides/slide10.xml><?xml version="1.0" encoding="utf-8"?>
-<p:sld xmlns:a="http://schemas.openxmlformats.org/drawingml/2006/main" xmlns:r="http://schemas.openxmlformats.org/officeDocument/2006/relationships" xmlns:p="http://schemas.openxmlformats.org/presentationml/2006/main">
-  <p:cSld>
-    <p:spTree>
-      <p:nvGrpSpPr>
-        <p:cNvPr id="1" name=""/>
-        <p:cNvGrpSpPr/>
-        <p:nvPr/>
-      </p:nvGrpSpPr>
-      <p:grpSpPr>
-        <a:xfrm>
-          <a:off x="0" y="0"/>
-          <a:ext cx="0" cy="0"/>
-          <a:chOff x="0" y="0"/>
-          <a:chExt cx="0" cy="0"/>
-        </a:xfrm>
-      </p:grpSpPr>
-      <p:sp>
-        <p:nvSpPr>
-          <p:cNvPr id="2" name="タイトル 1">
-            <a:extLst>
-              <a:ext uri="{FF2B5EF4-FFF2-40B4-BE49-F238E27FC236}">
-                <a16:creationId xmlns:a16="http://schemas.microsoft.com/office/drawing/2014/main" id="{A43E1C7C-DB96-3CC1-6A33-47A5681D3502}"/>
-              </a:ext>
-            </a:extLst>
-          </p:cNvPr>
-          <p:cNvSpPr>
-            <a:spLocks noGrp="1"/>
-          </p:cNvSpPr>
-          <p:nvPr>
-            <p:ph type="title"/>
-          </p:nvPr>
-        </p:nvSpPr>
-        <p:spPr/>
-        <p:txBody>
-          <a:bodyPr/>
-          <a:lstStyle/>
-          <a:p>
-            <a:r>
-              <a:rPr kumimoji="1" lang="en-US" altLang="ja-JP" dirty="0"/>
-              <a:t>Fatigue</a:t>
-            </a:r>
-            <a:r>
-              <a:rPr kumimoji="1" lang="ja-JP" altLang="en-US"/>
-              <a:t> </a:t>
-            </a:r>
-            <a:r>
-              <a:rPr lang="en-US" altLang="ja-JP" dirty="0"/>
-              <a:t>R</a:t>
-            </a:r>
-            <a:r>
-              <a:rPr kumimoji="1" lang="en-US" altLang="ja-JP" dirty="0"/>
-              <a:t>eferences</a:t>
-            </a:r>
-            <a:endParaRPr kumimoji="1" lang="ja-JP" altLang="en-US"/>
-          </a:p>
-        </p:txBody>
-      </p:sp>
-      <p:sp>
-        <p:nvSpPr>
-          <p:cNvPr id="3" name="コンテンツ プレースホルダー 2">
-            <a:extLst>
-              <a:ext uri="{FF2B5EF4-FFF2-40B4-BE49-F238E27FC236}">
-                <a16:creationId xmlns:a16="http://schemas.microsoft.com/office/drawing/2014/main" id="{F7533ABB-E346-8192-A09D-130A67A711D1}"/>
-              </a:ext>
-            </a:extLst>
-          </p:cNvPr>
-          <p:cNvSpPr>
-            <a:spLocks noGrp="1"/>
-          </p:cNvSpPr>
-          <p:nvPr>
-            <p:ph idx="1"/>
-          </p:nvPr>
-        </p:nvSpPr>
-        <p:spPr/>
-        <p:txBody>
-          <a:bodyPr/>
-          <a:lstStyle/>
-          <a:p>
-            <a:r>
-              <a:rPr kumimoji="1" lang="en" altLang="ja-JP" dirty="0">
-                <a:hlinkClick r:id="rId2"/>
-              </a:rPr>
-              <a:t>https://www.nature.com/articles/s41598-020-68392-6</a:t>
-            </a:r>
-            <a:endParaRPr kumimoji="1" lang="en" altLang="ja-JP" dirty="0"/>
-          </a:p>
-          <a:p>
-            <a:r>
-              <a:rPr kumimoji="1" lang="en" altLang="ja-JP" dirty="0">
-                <a:hlinkClick r:id="rId3"/>
-              </a:rPr>
-              <a:t>https://journals.humankinetics.com/view/journals/ijatt/10/4/article-p43.xml</a:t>
-            </a:r>
-            <a:endParaRPr kumimoji="1" lang="en" altLang="ja-JP" dirty="0"/>
-          </a:p>
-          <a:p>
-            <a:endParaRPr kumimoji="1" lang="ja-JP" altLang="en-US"/>
-          </a:p>
-        </p:txBody>
-      </p:sp>
-    </p:spTree>
-    <p:extLst>
-      <p:ext uri="{BB962C8B-B14F-4D97-AF65-F5344CB8AC3E}">
-        <p14:creationId xmlns:p14="http://schemas.microsoft.com/office/powerpoint/2010/main" val="1923451258"/>
-      </p:ext>
-    </p:extLst>
-  </p:cSld>
-  <p:clrMapOvr>
-    <a:masterClrMapping/>
-  </p:clrMapOvr>
-</p:sld>
-</file>
-
 <file path=ppt/slides/slide2.xml><?xml version="1.0" encoding="utf-8"?>
 <p:sld xmlns:a="http://schemas.openxmlformats.org/drawingml/2006/main" xmlns:r="http://schemas.openxmlformats.org/officeDocument/2006/relationships" xmlns:p="http://schemas.openxmlformats.org/presentationml/2006/main">
   <p:cSld>
@@ -5454,10 +5338,10 @@
       </p:sp>
       <p:pic>
         <p:nvPicPr>
-          <p:cNvPr id="6" name="図 5" descr="グラフ&#10;&#10;自動的に生成された説明">
-            <a:extLst>
-              <a:ext uri="{FF2B5EF4-FFF2-40B4-BE49-F238E27FC236}">
-                <a16:creationId xmlns:a16="http://schemas.microsoft.com/office/drawing/2014/main" id="{050E0089-2EDC-BADC-3A7B-DA72A8EB8FD5}"/>
+          <p:cNvPr id="4" name="図 3" descr="グラフ, 折れ線グラフ&#10;&#10;自動的に生成された説明">
+            <a:extLst>
+              <a:ext uri="{FF2B5EF4-FFF2-40B4-BE49-F238E27FC236}">
+                <a16:creationId xmlns:a16="http://schemas.microsoft.com/office/drawing/2014/main" id="{0D879790-91F9-8AD7-A02D-B74B397122C4}"/>
               </a:ext>
             </a:extLst>
           </p:cNvPr>
@@ -5474,8 +5358,94 @@
         </p:blipFill>
         <p:spPr>
           <a:xfrm>
-            <a:off x="921657" y="1647119"/>
-            <a:ext cx="10348685" cy="4330859"/>
+            <a:off x="220362" y="2111266"/>
+            <a:ext cx="5770262" cy="4330998"/>
+          </a:xfrm>
+          <a:prstGeom prst="rect">
+            <a:avLst/>
+          </a:prstGeom>
+        </p:spPr>
+      </p:pic>
+      <p:sp>
+        <p:nvSpPr>
+          <p:cNvPr id="5" name="正方形/長方形 4">
+            <a:extLst>
+              <a:ext uri="{FF2B5EF4-FFF2-40B4-BE49-F238E27FC236}">
+                <a16:creationId xmlns:a16="http://schemas.microsoft.com/office/drawing/2014/main" id="{61346334-BC8A-639C-C95D-766AFC2936A5}"/>
+              </a:ext>
+            </a:extLst>
+          </p:cNvPr>
+          <p:cNvSpPr/>
+          <p:nvPr/>
+        </p:nvSpPr>
+        <p:spPr>
+          <a:xfrm>
+            <a:off x="317898" y="890016"/>
+            <a:ext cx="11653740" cy="707136"/>
+          </a:xfrm>
+          <a:prstGeom prst="rect">
+            <a:avLst/>
+          </a:prstGeom>
+          <a:ln w="19050">
+            <a:solidFill>
+              <a:schemeClr val="tx1"/>
+            </a:solidFill>
+          </a:ln>
+        </p:spPr>
+        <p:style>
+          <a:lnRef idx="2">
+            <a:schemeClr val="accent6"/>
+          </a:lnRef>
+          <a:fillRef idx="1">
+            <a:schemeClr val="lt1"/>
+          </a:fillRef>
+          <a:effectRef idx="0">
+            <a:schemeClr val="accent6"/>
+          </a:effectRef>
+          <a:fontRef idx="minor">
+            <a:schemeClr val="dk1"/>
+          </a:fontRef>
+        </p:style>
+        <p:txBody>
+          <a:bodyPr rtlCol="0" anchor="ctr"/>
+          <a:lstStyle/>
+          <a:p>
+            <a:pPr algn="ctr"/>
+            <a:r>
+              <a:rPr lang="en" altLang="ja-JP" sz="2000" dirty="0">
+                <a:effectLst/>
+                <a:latin typeface="Arial" panose="020B0604020202020204" pitchFamily="34" charset="0"/>
+                <a:cs typeface="Arial" panose="020B0604020202020204" pitchFamily="34" charset="0"/>
+              </a:rPr>
+              <a:t>Force required by each direction is constant</a:t>
+            </a:r>
+          </a:p>
+        </p:txBody>
+      </p:sp>
+      <p:pic>
+        <p:nvPicPr>
+          <p:cNvPr id="8" name="図 7" descr="グラフ, 折れ線グラフ, 散布図&#10;&#10;自動的に生成された説明">
+            <a:extLst>
+              <a:ext uri="{FF2B5EF4-FFF2-40B4-BE49-F238E27FC236}">
+                <a16:creationId xmlns:a16="http://schemas.microsoft.com/office/drawing/2014/main" id="{8803B225-68ED-3E17-AB8A-A4952A7826A3}"/>
+              </a:ext>
+            </a:extLst>
+          </p:cNvPr>
+          <p:cNvPicPr>
+            <a:picLocks noChangeAspect="1"/>
+          </p:cNvPicPr>
+          <p:nvPr/>
+        </p:nvPicPr>
+        <p:blipFill>
+          <a:blip r:embed="rId3"/>
+          <a:stretch>
+            <a:fillRect/>
+          </a:stretch>
+        </p:blipFill>
+        <p:spPr>
+          <a:xfrm>
+            <a:off x="5770262" y="2111266"/>
+            <a:ext cx="5929586" cy="4447190"/>
           </a:xfrm>
           <a:prstGeom prst="rect">
             <a:avLst/>
@@ -5517,7 +5487,7 @@
           <p:cNvPr id="2" name="タイトル 1">
             <a:extLst>
               <a:ext uri="{FF2B5EF4-FFF2-40B4-BE49-F238E27FC236}">
-                <a16:creationId xmlns:a16="http://schemas.microsoft.com/office/drawing/2014/main" id="{B8DE9437-B57D-A977-315D-5308758F482D}"/>
+                <a16:creationId xmlns:a16="http://schemas.microsoft.com/office/drawing/2014/main" id="{A43E1C7C-DB96-3CC1-6A33-47A5681D3502}"/>
               </a:ext>
             </a:extLst>
           </p:cNvPr>
@@ -5528,182 +5498,78 @@
             <p:ph type="title"/>
           </p:nvPr>
         </p:nvSpPr>
-        <p:spPr>
-          <a:xfrm>
-            <a:off x="220362" y="105633"/>
-            <a:ext cx="11751276" cy="833481"/>
-          </a:xfrm>
-        </p:spPr>
-        <p:txBody>
-          <a:bodyPr>
-            <a:normAutofit fontScale="90000"/>
-          </a:bodyPr>
-          <a:lstStyle/>
-          <a:p>
-            <a:r>
-              <a:rPr lang="en-US" altLang="ja-JP" dirty="0">
-                <a:latin typeface="Arial" panose="020B0604020202020204" pitchFamily="34" charset="0"/>
-                <a:cs typeface="Arial" panose="020B0604020202020204" pitchFamily="34" charset="0"/>
+        <p:spPr/>
+        <p:txBody>
+          <a:bodyPr/>
+          <a:lstStyle/>
+          <a:p>
+            <a:r>
+              <a:rPr kumimoji="1" lang="en-US" altLang="ja-JP" dirty="0"/>
+              <a:t>Fatigue</a:t>
+            </a:r>
+            <a:r>
+              <a:rPr kumimoji="1" lang="ja-JP" altLang="en-US"/>
+              <a:t> </a:t>
+            </a:r>
+            <a:r>
+              <a:rPr lang="en-US" altLang="ja-JP" dirty="0"/>
+              <a:t>R</a:t>
+            </a:r>
+            <a:r>
+              <a:rPr kumimoji="1" lang="en-US" altLang="ja-JP" dirty="0"/>
+              <a:t>eferences</a:t>
+            </a:r>
+            <a:endParaRPr kumimoji="1" lang="ja-JP" altLang="en-US"/>
+          </a:p>
+        </p:txBody>
+      </p:sp>
+      <p:sp>
+        <p:nvSpPr>
+          <p:cNvPr id="3" name="コンテンツ プレースホルダー 2">
+            <a:extLst>
+              <a:ext uri="{FF2B5EF4-FFF2-40B4-BE49-F238E27FC236}">
+                <a16:creationId xmlns:a16="http://schemas.microsoft.com/office/drawing/2014/main" id="{F7533ABB-E346-8192-A09D-130A67A711D1}"/>
+              </a:ext>
+            </a:extLst>
+          </p:cNvPr>
+          <p:cNvSpPr>
+            <a:spLocks noGrp="1"/>
+          </p:cNvSpPr>
+          <p:nvPr>
+            <p:ph idx="1"/>
+          </p:nvPr>
+        </p:nvSpPr>
+        <p:spPr/>
+        <p:txBody>
+          <a:bodyPr/>
+          <a:lstStyle/>
+          <a:p>
+            <a:r>
+              <a:rPr kumimoji="1" lang="en" altLang="ja-JP" dirty="0">
+                <a:hlinkClick r:id="rId2"/>
               </a:rPr>
-              <a:t>EMG</a:t>
-            </a:r>
-            <a:r>
-              <a:rPr lang="ja-JP" altLang="en-US">
-                <a:latin typeface="Arial" panose="020B0604020202020204" pitchFamily="34" charset="0"/>
-                <a:cs typeface="Arial" panose="020B0604020202020204" pitchFamily="34" charset="0"/>
+              <a:t>https://www.nature.com/articles/s41598-020-68392-6</a:t>
+            </a:r>
+            <a:endParaRPr kumimoji="1" lang="en" altLang="ja-JP" dirty="0"/>
+          </a:p>
+          <a:p>
+            <a:r>
+              <a:rPr kumimoji="1" lang="en" altLang="ja-JP" dirty="0">
+                <a:hlinkClick r:id="rId3"/>
               </a:rPr>
-              <a:t>の分布が報酬の関数としてどう変化するか</a:t>
-            </a:r>
-            <a:endParaRPr kumimoji="1" lang="ja-JP" altLang="en-US">
-              <a:latin typeface="Arial" panose="020B0604020202020204" pitchFamily="34" charset="0"/>
-              <a:cs typeface="Arial" panose="020B0604020202020204" pitchFamily="34" charset="0"/>
-            </a:endParaRPr>
-          </a:p>
-        </p:txBody>
-      </p:sp>
-      <p:pic>
-        <p:nvPicPr>
-          <p:cNvPr id="6" name="図 5" descr="テキスト, ホワイトボード が含まれている画像&#10;&#10;自動的に生成された説明">
-            <a:extLst>
-              <a:ext uri="{FF2B5EF4-FFF2-40B4-BE49-F238E27FC236}">
-                <a16:creationId xmlns:a16="http://schemas.microsoft.com/office/drawing/2014/main" id="{F62ADED3-F6CA-7802-A1C6-30F3C8B09C64}"/>
-              </a:ext>
-            </a:extLst>
-          </p:cNvPr>
-          <p:cNvPicPr>
-            <a:picLocks noChangeAspect="1"/>
-          </p:cNvPicPr>
-          <p:nvPr/>
-        </p:nvPicPr>
-        <p:blipFill>
-          <a:blip r:embed="rId2"/>
-          <a:stretch>
-            <a:fillRect/>
-          </a:stretch>
-        </p:blipFill>
-        <p:spPr>
-          <a:xfrm>
-            <a:off x="640492" y="939114"/>
-            <a:ext cx="10911016" cy="5697912"/>
-          </a:xfrm>
-          <a:prstGeom prst="rect">
-            <a:avLst/>
-          </a:prstGeom>
-        </p:spPr>
-      </p:pic>
+              <a:t>https://journals.humankinetics.com/view/journals/ijatt/10/4/article-p43.xml</a:t>
+            </a:r>
+            <a:endParaRPr kumimoji="1" lang="en" altLang="ja-JP" dirty="0"/>
+          </a:p>
+          <a:p>
+            <a:endParaRPr kumimoji="1" lang="ja-JP" altLang="en-US"/>
+          </a:p>
+        </p:txBody>
+      </p:sp>
     </p:spTree>
     <p:extLst>
       <p:ext uri="{BB962C8B-B14F-4D97-AF65-F5344CB8AC3E}">
-        <p14:creationId xmlns:p14="http://schemas.microsoft.com/office/powerpoint/2010/main" val="451226806"/>
-      </p:ext>
-    </p:extLst>
-  </p:cSld>
-  <p:clrMapOvr>
-    <a:masterClrMapping/>
-  </p:clrMapOvr>
-</p:sld>
-</file>
-
-<file path=ppt/slides/slide9.xml><?xml version="1.0" encoding="utf-8"?>
-<p:sld xmlns:a="http://schemas.openxmlformats.org/drawingml/2006/main" xmlns:r="http://schemas.openxmlformats.org/officeDocument/2006/relationships" xmlns:p="http://schemas.openxmlformats.org/presentationml/2006/main">
-  <p:cSld>
-    <p:spTree>
-      <p:nvGrpSpPr>
-        <p:cNvPr id="1" name=""/>
-        <p:cNvGrpSpPr/>
-        <p:nvPr/>
-      </p:nvGrpSpPr>
-      <p:grpSpPr>
-        <a:xfrm>
-          <a:off x="0" y="0"/>
-          <a:ext cx="0" cy="0"/>
-          <a:chOff x="0" y="0"/>
-          <a:chExt cx="0" cy="0"/>
-        </a:xfrm>
-      </p:grpSpPr>
-      <p:sp>
-        <p:nvSpPr>
-          <p:cNvPr id="2" name="タイトル 1">
-            <a:extLst>
-              <a:ext uri="{FF2B5EF4-FFF2-40B4-BE49-F238E27FC236}">
-                <a16:creationId xmlns:a16="http://schemas.microsoft.com/office/drawing/2014/main" id="{B8DE9437-B57D-A977-315D-5308758F482D}"/>
-              </a:ext>
-            </a:extLst>
-          </p:cNvPr>
-          <p:cNvSpPr>
-            <a:spLocks noGrp="1"/>
-          </p:cNvSpPr>
-          <p:nvPr>
-            <p:ph type="title"/>
-          </p:nvPr>
-        </p:nvSpPr>
-        <p:spPr>
-          <a:xfrm>
-            <a:off x="220362" y="105633"/>
-            <a:ext cx="11751276" cy="833481"/>
-          </a:xfrm>
-        </p:spPr>
-        <p:txBody>
-          <a:bodyPr>
-            <a:normAutofit fontScale="90000"/>
-          </a:bodyPr>
-          <a:lstStyle/>
-          <a:p>
-            <a:r>
-              <a:rPr lang="en-US" altLang="ja-JP" dirty="0">
-                <a:latin typeface="Arial" panose="020B0604020202020204" pitchFamily="34" charset="0"/>
-                <a:cs typeface="Arial" panose="020B0604020202020204" pitchFamily="34" charset="0"/>
-              </a:rPr>
-              <a:t>EMG</a:t>
-            </a:r>
-            <a:r>
-              <a:rPr lang="ja-JP" altLang="en-US">
-                <a:latin typeface="Arial" panose="020B0604020202020204" pitchFamily="34" charset="0"/>
-                <a:cs typeface="Arial" panose="020B0604020202020204" pitchFamily="34" charset="0"/>
-              </a:rPr>
-              <a:t>の値はポジションの位置と関係しているのか</a:t>
-            </a:r>
-            <a:endParaRPr kumimoji="1" lang="ja-JP" altLang="en-US">
-              <a:latin typeface="Arial" panose="020B0604020202020204" pitchFamily="34" charset="0"/>
-              <a:cs typeface="Arial" panose="020B0604020202020204" pitchFamily="34" charset="0"/>
-            </a:endParaRPr>
-          </a:p>
-        </p:txBody>
-      </p:sp>
-      <p:pic>
-        <p:nvPicPr>
-          <p:cNvPr id="4" name="図 3" descr="ダイアグラム&#10;&#10;自動的に生成された説明">
-            <a:extLst>
-              <a:ext uri="{FF2B5EF4-FFF2-40B4-BE49-F238E27FC236}">
-                <a16:creationId xmlns:a16="http://schemas.microsoft.com/office/drawing/2014/main" id="{97FB989A-1508-A584-7C38-56FD47C903D3}"/>
-              </a:ext>
-            </a:extLst>
-          </p:cNvPr>
-          <p:cNvPicPr>
-            <a:picLocks noChangeAspect="1"/>
-          </p:cNvPicPr>
-          <p:nvPr/>
-        </p:nvPicPr>
-        <p:blipFill>
-          <a:blip r:embed="rId2"/>
-          <a:stretch>
-            <a:fillRect/>
-          </a:stretch>
-        </p:blipFill>
-        <p:spPr>
-          <a:xfrm>
-            <a:off x="902043" y="939114"/>
-            <a:ext cx="10414336" cy="5004486"/>
-          </a:xfrm>
-          <a:prstGeom prst="rect">
-            <a:avLst/>
-          </a:prstGeom>
-        </p:spPr>
-      </p:pic>
-    </p:spTree>
-    <p:extLst>
-      <p:ext uri="{BB962C8B-B14F-4D97-AF65-F5344CB8AC3E}">
-        <p14:creationId xmlns:p14="http://schemas.microsoft.com/office/powerpoint/2010/main" val="1253478607"/>
+        <p14:creationId xmlns:p14="http://schemas.microsoft.com/office/powerpoint/2010/main" val="1923451258"/>
       </p:ext>
     </p:extLst>
   </p:cSld>
